--- a/trunk/core/Regesters Diagram-update (2).pptx
+++ b/trunk/core/Regesters Diagram-update (2).pptx
@@ -313,7 +313,7 @@
             <a:fld id="{30DAF76B-3D33-4835-836A-6F4282D25A44}" type="datetimeFigureOut">
               <a:rPr lang="he-IL" smtClean="0"/>
               <a:pPr/>
-              <a:t>י"ד/אלול/תשע"ב</a:t>
+              <a:t>י"ז/אלול/תשע"ב</a:t>
             </a:fld>
             <a:endParaRPr lang="he-IL" dirty="0"/>
           </a:p>
@@ -480,7 +480,7 @@
             <a:fld id="{30DAF76B-3D33-4835-836A-6F4282D25A44}" type="datetimeFigureOut">
               <a:rPr lang="he-IL" smtClean="0"/>
               <a:pPr/>
-              <a:t>י"ד/אלול/תשע"ב</a:t>
+              <a:t>י"ז/אלול/תשע"ב</a:t>
             </a:fld>
             <a:endParaRPr lang="he-IL" dirty="0"/>
           </a:p>
@@ -657,7 +657,7 @@
             <a:fld id="{30DAF76B-3D33-4835-836A-6F4282D25A44}" type="datetimeFigureOut">
               <a:rPr lang="he-IL" smtClean="0"/>
               <a:pPr/>
-              <a:t>י"ד/אלול/תשע"ב</a:t>
+              <a:t>י"ז/אלול/תשע"ב</a:t>
             </a:fld>
             <a:endParaRPr lang="he-IL" dirty="0"/>
           </a:p>
@@ -824,7 +824,7 @@
             <a:fld id="{30DAF76B-3D33-4835-836A-6F4282D25A44}" type="datetimeFigureOut">
               <a:rPr lang="he-IL" smtClean="0"/>
               <a:pPr/>
-              <a:t>י"ד/אלול/תשע"ב</a:t>
+              <a:t>י"ז/אלול/תשע"ב</a:t>
             </a:fld>
             <a:endParaRPr lang="he-IL" dirty="0"/>
           </a:p>
@@ -1067,7 +1067,7 @@
             <a:fld id="{30DAF76B-3D33-4835-836A-6F4282D25A44}" type="datetimeFigureOut">
               <a:rPr lang="he-IL" smtClean="0"/>
               <a:pPr/>
-              <a:t>י"ד/אלול/תשע"ב</a:t>
+              <a:t>י"ז/אלול/תשע"ב</a:t>
             </a:fld>
             <a:endParaRPr lang="he-IL" dirty="0"/>
           </a:p>
@@ -1352,7 +1352,7 @@
             <a:fld id="{30DAF76B-3D33-4835-836A-6F4282D25A44}" type="datetimeFigureOut">
               <a:rPr lang="he-IL" smtClean="0"/>
               <a:pPr/>
-              <a:t>י"ד/אלול/תשע"ב</a:t>
+              <a:t>י"ז/אלול/תשע"ב</a:t>
             </a:fld>
             <a:endParaRPr lang="he-IL" dirty="0"/>
           </a:p>
@@ -1771,7 +1771,7 @@
             <a:fld id="{30DAF76B-3D33-4835-836A-6F4282D25A44}" type="datetimeFigureOut">
               <a:rPr lang="he-IL" smtClean="0"/>
               <a:pPr/>
-              <a:t>י"ד/אלול/תשע"ב</a:t>
+              <a:t>י"ז/אלול/תשע"ב</a:t>
             </a:fld>
             <a:endParaRPr lang="he-IL" dirty="0"/>
           </a:p>
@@ -1886,7 +1886,7 @@
             <a:fld id="{30DAF76B-3D33-4835-836A-6F4282D25A44}" type="datetimeFigureOut">
               <a:rPr lang="he-IL" smtClean="0"/>
               <a:pPr/>
-              <a:t>י"ד/אלול/תשע"ב</a:t>
+              <a:t>י"ז/אלול/תשע"ב</a:t>
             </a:fld>
             <a:endParaRPr lang="he-IL" dirty="0"/>
           </a:p>
@@ -1978,7 +1978,7 @@
             <a:fld id="{30DAF76B-3D33-4835-836A-6F4282D25A44}" type="datetimeFigureOut">
               <a:rPr lang="he-IL" smtClean="0"/>
               <a:pPr/>
-              <a:t>י"ד/אלול/תשע"ב</a:t>
+              <a:t>י"ז/אלול/תשע"ב</a:t>
             </a:fld>
             <a:endParaRPr lang="he-IL" dirty="0"/>
           </a:p>
@@ -2252,7 +2252,7 @@
             <a:fld id="{30DAF76B-3D33-4835-836A-6F4282D25A44}" type="datetimeFigureOut">
               <a:rPr lang="he-IL" smtClean="0"/>
               <a:pPr/>
-              <a:t>י"ד/אלול/תשע"ב</a:t>
+              <a:t>י"ז/אלול/תשע"ב</a:t>
             </a:fld>
             <a:endParaRPr lang="he-IL" dirty="0"/>
           </a:p>
@@ -2502,7 +2502,7 @@
             <a:fld id="{30DAF76B-3D33-4835-836A-6F4282D25A44}" type="datetimeFigureOut">
               <a:rPr lang="he-IL" smtClean="0"/>
               <a:pPr/>
-              <a:t>י"ד/אלול/תשע"ב</a:t>
+              <a:t>י"ז/אלול/תשע"ב</a:t>
             </a:fld>
             <a:endParaRPr lang="he-IL" dirty="0"/>
           </a:p>
@@ -2712,7 +2712,7 @@
             <a:fld id="{30DAF76B-3D33-4835-836A-6F4282D25A44}" type="datetimeFigureOut">
               <a:rPr lang="he-IL" smtClean="0"/>
               <a:pPr/>
-              <a:t>י"ד/אלול/תשע"ב</a:t>
+              <a:t>י"ז/אלול/תשע"ב</a:t>
             </a:fld>
             <a:endParaRPr lang="he-IL" dirty="0"/>
           </a:p>
@@ -8717,627 +8717,642 @@
           </p:txBody>
         </p:sp>
       </p:grpSp>
-      <p:sp>
-        <p:nvSpPr>
-          <p:cNvPr id="192" name="מלבן 191"/>
-          <p:cNvSpPr/>
+      <p:grpSp>
+        <p:nvGrpSpPr>
+          <p:cNvPr id="127" name="קבוצה 126"/>
+          <p:cNvGrpSpPr/>
           <p:nvPr/>
-        </p:nvSpPr>
-        <p:spPr>
+        </p:nvGrpSpPr>
+        <p:grpSpPr>
           <a:xfrm>
-            <a:off x="1763688" y="1412776"/>
-            <a:ext cx="792088" cy="1296144"/>
-          </a:xfrm>
-          <a:prstGeom prst="rect">
-            <a:avLst/>
-          </a:prstGeom>
-          <a:noFill/>
-          <a:ln>
-            <a:solidFill>
+            <a:off x="899592" y="1279793"/>
+            <a:ext cx="2448272" cy="1429127"/>
+            <a:chOff x="899592" y="1279793"/>
+            <a:chExt cx="2448272" cy="1429127"/>
+          </a:xfrm>
+        </p:grpSpPr>
+        <p:sp>
+          <p:nvSpPr>
+            <p:cNvPr id="192" name="מלבן 191"/>
+            <p:cNvSpPr/>
+            <p:nvPr/>
+          </p:nvSpPr>
+          <p:spPr>
+            <a:xfrm>
+              <a:off x="1763688" y="1412776"/>
+              <a:ext cx="792088" cy="1296144"/>
+            </a:xfrm>
+            <a:prstGeom prst="rect">
+              <a:avLst/>
+            </a:prstGeom>
+            <a:noFill/>
+            <a:ln>
+              <a:solidFill>
+                <a:schemeClr val="tx1"/>
+              </a:solidFill>
+            </a:ln>
+          </p:spPr>
+          <p:style>
+            <a:lnRef idx="2">
+              <a:schemeClr val="accent1">
+                <a:shade val="50000"/>
+              </a:schemeClr>
+            </a:lnRef>
+            <a:fillRef idx="1">
+              <a:schemeClr val="accent1"/>
+            </a:fillRef>
+            <a:effectRef idx="0">
+              <a:schemeClr val="accent1"/>
+            </a:effectRef>
+            <a:fontRef idx="minor">
+              <a:schemeClr val="lt1"/>
+            </a:fontRef>
+          </p:style>
+          <p:txBody>
+            <a:bodyPr rtlCol="1" anchor="ctr"/>
+            <a:lstStyle/>
+            <a:p>
+              <a:pPr algn="ctr"/>
+              <a:endParaRPr lang="he-IL"/>
+            </a:p>
+          </p:txBody>
+        </p:sp>
+        <p:sp>
+          <p:nvSpPr>
+            <p:cNvPr id="193" name="TextBox 192"/>
+            <p:cNvSpPr txBox="1"/>
+            <p:nvPr/>
+          </p:nvSpPr>
+          <p:spPr>
+            <a:xfrm>
+              <a:off x="1763688" y="1484784"/>
+              <a:ext cx="864096" cy="430887"/>
+            </a:xfrm>
+            <a:prstGeom prst="rect">
+              <a:avLst/>
+            </a:prstGeom>
+            <a:noFill/>
+          </p:spPr>
+          <p:txBody>
+            <a:bodyPr wrap="square" rtlCol="1">
+              <a:spAutoFit/>
+            </a:bodyPr>
+            <a:lstStyle/>
+            <a:p>
+              <a:pPr algn="ctr"/>
+              <a:r>
+                <a:rPr lang="en-US" sz="1100" dirty="0" smtClean="0"/>
+                <a:t>Simple RAM</a:t>
+              </a:r>
+              <a:endParaRPr lang="he-IL" sz="1100" dirty="0"/>
+            </a:p>
+          </p:txBody>
+        </p:sp>
+        <p:cxnSp>
+          <p:nvCxnSpPr>
+            <p:cNvPr id="194" name="מחבר ישר 193"/>
+            <p:cNvCxnSpPr/>
+            <p:nvPr/>
+          </p:nvCxnSpPr>
+          <p:spPr>
+            <a:xfrm>
+              <a:off x="1187624" y="1556792"/>
+              <a:ext cx="576064" cy="0"/>
+            </a:xfrm>
+            <a:prstGeom prst="line">
+              <a:avLst/>
+            </a:prstGeom>
+            <a:ln w="19050">
+              <a:solidFill>
+                <a:schemeClr val="tx1"/>
+              </a:solidFill>
+              <a:tailEnd type="none"/>
+            </a:ln>
+          </p:spPr>
+          <p:style>
+            <a:lnRef idx="1">
+              <a:schemeClr val="accent1"/>
+            </a:lnRef>
+            <a:fillRef idx="0">
+              <a:schemeClr val="accent1"/>
+            </a:fillRef>
+            <a:effectRef idx="0">
+              <a:schemeClr val="accent1"/>
+            </a:effectRef>
+            <a:fontRef idx="minor">
               <a:schemeClr val="tx1"/>
-            </a:solidFill>
-          </a:ln>
-        </p:spPr>
-        <p:style>
-          <a:lnRef idx="2">
-            <a:schemeClr val="accent1">
-              <a:shade val="50000"/>
-            </a:schemeClr>
-          </a:lnRef>
-          <a:fillRef idx="1">
-            <a:schemeClr val="accent1"/>
-          </a:fillRef>
-          <a:effectRef idx="0">
-            <a:schemeClr val="accent1"/>
-          </a:effectRef>
-          <a:fontRef idx="minor">
-            <a:schemeClr val="lt1"/>
-          </a:fontRef>
-        </p:style>
-        <p:txBody>
-          <a:bodyPr rtlCol="1" anchor="ctr"/>
-          <a:lstStyle/>
-          <a:p>
-            <a:pPr algn="ctr"/>
-            <a:endParaRPr lang="he-IL"/>
-          </a:p>
-        </p:txBody>
-      </p:sp>
-      <p:sp>
-        <p:nvSpPr>
-          <p:cNvPr id="193" name="TextBox 192"/>
-          <p:cNvSpPr txBox="1"/>
-          <p:nvPr/>
-        </p:nvSpPr>
-        <p:spPr>
-          <a:xfrm>
-            <a:off x="1763688" y="1484784"/>
-            <a:ext cx="864096" cy="430887"/>
-          </a:xfrm>
-          <a:prstGeom prst="rect">
-            <a:avLst/>
-          </a:prstGeom>
-          <a:noFill/>
-        </p:spPr>
-        <p:txBody>
-          <a:bodyPr wrap="square" rtlCol="1">
-            <a:spAutoFit/>
-          </a:bodyPr>
-          <a:lstStyle/>
-          <a:p>
-            <a:pPr algn="ctr"/>
-            <a:r>
-              <a:rPr lang="en-US" sz="1100" dirty="0" smtClean="0"/>
-              <a:t>Simple RAM</a:t>
-            </a:r>
-            <a:endParaRPr lang="he-IL" sz="1100" dirty="0"/>
-          </a:p>
-        </p:txBody>
-      </p:sp>
-      <p:cxnSp>
-        <p:nvCxnSpPr>
-          <p:cNvPr id="194" name="מחבר ישר 193"/>
-          <p:cNvCxnSpPr/>
-          <p:nvPr/>
-        </p:nvCxnSpPr>
-        <p:spPr>
-          <a:xfrm>
-            <a:off x="1187624" y="1556792"/>
-            <a:ext cx="576064" cy="0"/>
-          </a:xfrm>
-          <a:prstGeom prst="line">
-            <a:avLst/>
-          </a:prstGeom>
-          <a:ln w="19050">
-            <a:solidFill>
+            </a:fontRef>
+          </p:style>
+        </p:cxnSp>
+        <p:cxnSp>
+          <p:nvCxnSpPr>
+            <p:cNvPr id="195" name="מחבר ישר 194"/>
+            <p:cNvCxnSpPr/>
+            <p:nvPr/>
+          </p:nvCxnSpPr>
+          <p:spPr>
+            <a:xfrm>
+              <a:off x="1187624" y="1772816"/>
+              <a:ext cx="576064" cy="0"/>
+            </a:xfrm>
+            <a:prstGeom prst="line">
+              <a:avLst/>
+            </a:prstGeom>
+            <a:ln w="19050">
+              <a:solidFill>
+                <a:schemeClr val="tx1"/>
+              </a:solidFill>
+              <a:tailEnd type="none"/>
+            </a:ln>
+          </p:spPr>
+          <p:style>
+            <a:lnRef idx="1">
+              <a:schemeClr val="accent1"/>
+            </a:lnRef>
+            <a:fillRef idx="0">
+              <a:schemeClr val="accent1"/>
+            </a:fillRef>
+            <a:effectRef idx="0">
+              <a:schemeClr val="accent1"/>
+            </a:effectRef>
+            <a:fontRef idx="minor">
               <a:schemeClr val="tx1"/>
-            </a:solidFill>
-            <a:tailEnd type="none"/>
-          </a:ln>
-        </p:spPr>
-        <p:style>
-          <a:lnRef idx="1">
-            <a:schemeClr val="accent1"/>
-          </a:lnRef>
-          <a:fillRef idx="0">
-            <a:schemeClr val="accent1"/>
-          </a:fillRef>
-          <a:effectRef idx="0">
-            <a:schemeClr val="accent1"/>
-          </a:effectRef>
-          <a:fontRef idx="minor">
-            <a:schemeClr val="tx1"/>
-          </a:fontRef>
-        </p:style>
-      </p:cxnSp>
-      <p:cxnSp>
-        <p:nvCxnSpPr>
-          <p:cNvPr id="195" name="מחבר ישר 194"/>
-          <p:cNvCxnSpPr/>
-          <p:nvPr/>
-        </p:nvCxnSpPr>
-        <p:spPr>
-          <a:xfrm>
-            <a:off x="1187624" y="1772816"/>
-            <a:ext cx="576064" cy="0"/>
-          </a:xfrm>
-          <a:prstGeom prst="line">
-            <a:avLst/>
-          </a:prstGeom>
-          <a:ln w="19050">
-            <a:solidFill>
+            </a:fontRef>
+          </p:style>
+        </p:cxnSp>
+        <p:sp>
+          <p:nvSpPr>
+            <p:cNvPr id="196" name="TextBox 195"/>
+            <p:cNvSpPr txBox="1"/>
+            <p:nvPr/>
+          </p:nvSpPr>
+          <p:spPr>
+            <a:xfrm>
+              <a:off x="1043608" y="1279793"/>
+              <a:ext cx="720080" cy="276999"/>
+            </a:xfrm>
+            <a:prstGeom prst="rect">
+              <a:avLst/>
+            </a:prstGeom>
+            <a:noFill/>
+          </p:spPr>
+          <p:txBody>
+            <a:bodyPr wrap="square" rtlCol="1">
+              <a:spAutoFit/>
+            </a:bodyPr>
+            <a:lstStyle/>
+            <a:p>
+              <a:r>
+                <a:rPr lang="en-US" sz="1200" dirty="0" smtClean="0"/>
+                <a:t>Din valid</a:t>
+              </a:r>
+              <a:endParaRPr lang="he-IL" sz="1200" dirty="0"/>
+            </a:p>
+          </p:txBody>
+        </p:sp>
+        <p:sp>
+          <p:nvSpPr>
+            <p:cNvPr id="197" name="TextBox 196"/>
+            <p:cNvSpPr txBox="1"/>
+            <p:nvPr/>
+          </p:nvSpPr>
+          <p:spPr>
+            <a:xfrm>
+              <a:off x="1115616" y="1512000"/>
+              <a:ext cx="576064" cy="276999"/>
+            </a:xfrm>
+            <a:prstGeom prst="rect">
+              <a:avLst/>
+            </a:prstGeom>
+            <a:noFill/>
+          </p:spPr>
+          <p:txBody>
+            <a:bodyPr wrap="square" rtlCol="1">
+              <a:spAutoFit/>
+            </a:bodyPr>
+            <a:lstStyle/>
+            <a:p>
+              <a:r>
+                <a:rPr lang="en-US" sz="1200" dirty="0" err="1" smtClean="0"/>
+                <a:t>clk</a:t>
+              </a:r>
+              <a:endParaRPr lang="he-IL" sz="1200" dirty="0"/>
+            </a:p>
+          </p:txBody>
+        </p:sp>
+        <p:cxnSp>
+          <p:nvCxnSpPr>
+            <p:cNvPr id="198" name="מחבר ישר 197"/>
+            <p:cNvCxnSpPr/>
+            <p:nvPr/>
+          </p:nvCxnSpPr>
+          <p:spPr>
+            <a:xfrm>
+              <a:off x="2555776" y="1772816"/>
+              <a:ext cx="576064" cy="0"/>
+            </a:xfrm>
+            <a:prstGeom prst="line">
+              <a:avLst/>
+            </a:prstGeom>
+            <a:ln w="19050">
+              <a:solidFill>
+                <a:schemeClr val="tx1"/>
+              </a:solidFill>
+              <a:tailEnd type="none"/>
+            </a:ln>
+          </p:spPr>
+          <p:style>
+            <a:lnRef idx="1">
+              <a:schemeClr val="accent1"/>
+            </a:lnRef>
+            <a:fillRef idx="0">
+              <a:schemeClr val="accent1"/>
+            </a:fillRef>
+            <a:effectRef idx="0">
+              <a:schemeClr val="accent1"/>
+            </a:effectRef>
+            <a:fontRef idx="minor">
               <a:schemeClr val="tx1"/>
-            </a:solidFill>
-            <a:tailEnd type="none"/>
-          </a:ln>
-        </p:spPr>
-        <p:style>
-          <a:lnRef idx="1">
-            <a:schemeClr val="accent1"/>
-          </a:lnRef>
-          <a:fillRef idx="0">
-            <a:schemeClr val="accent1"/>
-          </a:fillRef>
-          <a:effectRef idx="0">
-            <a:schemeClr val="accent1"/>
-          </a:effectRef>
-          <a:fontRef idx="minor">
-            <a:schemeClr val="tx1"/>
-          </a:fontRef>
-        </p:style>
-      </p:cxnSp>
-      <p:sp>
-        <p:nvSpPr>
-          <p:cNvPr id="196" name="TextBox 195"/>
-          <p:cNvSpPr txBox="1"/>
-          <p:nvPr/>
-        </p:nvSpPr>
-        <p:spPr>
-          <a:xfrm>
-            <a:off x="1043608" y="1279793"/>
-            <a:ext cx="720080" cy="276999"/>
-          </a:xfrm>
-          <a:prstGeom prst="rect">
-            <a:avLst/>
-          </a:prstGeom>
-          <a:noFill/>
-        </p:spPr>
-        <p:txBody>
-          <a:bodyPr wrap="square" rtlCol="1">
-            <a:spAutoFit/>
-          </a:bodyPr>
-          <a:lstStyle/>
-          <a:p>
-            <a:r>
-              <a:rPr lang="en-US" sz="1200" dirty="0" smtClean="0"/>
-              <a:t>Din valid</a:t>
-            </a:r>
-            <a:endParaRPr lang="he-IL" sz="1200" dirty="0"/>
-          </a:p>
-        </p:txBody>
-      </p:sp>
-      <p:sp>
-        <p:nvSpPr>
-          <p:cNvPr id="197" name="TextBox 196"/>
-          <p:cNvSpPr txBox="1"/>
-          <p:nvPr/>
-        </p:nvSpPr>
-        <p:spPr>
-          <a:xfrm>
-            <a:off x="1115616" y="1512000"/>
-            <a:ext cx="576064" cy="276999"/>
-          </a:xfrm>
-          <a:prstGeom prst="rect">
-            <a:avLst/>
-          </a:prstGeom>
-          <a:noFill/>
-        </p:spPr>
-        <p:txBody>
-          <a:bodyPr wrap="square" rtlCol="1">
-            <a:spAutoFit/>
-          </a:bodyPr>
-          <a:lstStyle/>
-          <a:p>
-            <a:r>
-              <a:rPr lang="en-US" sz="1200" dirty="0" err="1" smtClean="0"/>
-              <a:t>clk</a:t>
-            </a:r>
-            <a:endParaRPr lang="he-IL" sz="1200" dirty="0"/>
-          </a:p>
-        </p:txBody>
-      </p:sp>
-      <p:cxnSp>
-        <p:nvCxnSpPr>
-          <p:cNvPr id="198" name="מחבר ישר 197"/>
-          <p:cNvCxnSpPr/>
-          <p:nvPr/>
-        </p:nvCxnSpPr>
-        <p:spPr>
-          <a:xfrm>
-            <a:off x="2555776" y="1772816"/>
-            <a:ext cx="576064" cy="0"/>
-          </a:xfrm>
-          <a:prstGeom prst="line">
-            <a:avLst/>
-          </a:prstGeom>
-          <a:ln w="19050">
-            <a:solidFill>
+            </a:fontRef>
+          </p:style>
+        </p:cxnSp>
+        <p:sp>
+          <p:nvSpPr>
+            <p:cNvPr id="199" name="TextBox 198"/>
+            <p:cNvSpPr txBox="1"/>
+            <p:nvPr/>
+          </p:nvSpPr>
+          <p:spPr>
+            <a:xfrm>
+              <a:off x="2483768" y="1495817"/>
+              <a:ext cx="720080" cy="276999"/>
+            </a:xfrm>
+            <a:prstGeom prst="rect">
+              <a:avLst/>
+            </a:prstGeom>
+            <a:noFill/>
+          </p:spPr>
+          <p:txBody>
+            <a:bodyPr wrap="square" rtlCol="1">
+              <a:spAutoFit/>
+            </a:bodyPr>
+            <a:lstStyle/>
+            <a:p>
+              <a:r>
+                <a:rPr lang="en-US" sz="1200" dirty="0" smtClean="0"/>
+                <a:t>Data out</a:t>
+              </a:r>
+              <a:endParaRPr lang="he-IL" sz="1200" dirty="0"/>
+            </a:p>
+          </p:txBody>
+        </p:sp>
+        <p:cxnSp>
+          <p:nvCxnSpPr>
+            <p:cNvPr id="200" name="מחבר ישר 199"/>
+            <p:cNvCxnSpPr/>
+            <p:nvPr/>
+          </p:nvCxnSpPr>
+          <p:spPr>
+            <a:xfrm>
+              <a:off x="2555776" y="2492896"/>
+              <a:ext cx="576064" cy="0"/>
+            </a:xfrm>
+            <a:prstGeom prst="line">
+              <a:avLst/>
+            </a:prstGeom>
+            <a:ln w="19050">
+              <a:solidFill>
+                <a:schemeClr val="tx1"/>
+              </a:solidFill>
+              <a:tailEnd type="none"/>
+            </a:ln>
+          </p:spPr>
+          <p:style>
+            <a:lnRef idx="1">
+              <a:schemeClr val="accent1"/>
+            </a:lnRef>
+            <a:fillRef idx="0">
+              <a:schemeClr val="accent1"/>
+            </a:fillRef>
+            <a:effectRef idx="0">
+              <a:schemeClr val="accent1"/>
+            </a:effectRef>
+            <a:fontRef idx="minor">
               <a:schemeClr val="tx1"/>
-            </a:solidFill>
-            <a:tailEnd type="none"/>
-          </a:ln>
-        </p:spPr>
-        <p:style>
-          <a:lnRef idx="1">
-            <a:schemeClr val="accent1"/>
-          </a:lnRef>
-          <a:fillRef idx="0">
-            <a:schemeClr val="accent1"/>
-          </a:fillRef>
-          <a:effectRef idx="0">
-            <a:schemeClr val="accent1"/>
-          </a:effectRef>
-          <a:fontRef idx="minor">
-            <a:schemeClr val="tx1"/>
-          </a:fontRef>
-        </p:style>
-      </p:cxnSp>
-      <p:sp>
-        <p:nvSpPr>
-          <p:cNvPr id="199" name="TextBox 198"/>
-          <p:cNvSpPr txBox="1"/>
-          <p:nvPr/>
-        </p:nvSpPr>
-        <p:spPr>
-          <a:xfrm>
-            <a:off x="2483768" y="1495817"/>
-            <a:ext cx="720080" cy="276999"/>
-          </a:xfrm>
-          <a:prstGeom prst="rect">
-            <a:avLst/>
-          </a:prstGeom>
-          <a:noFill/>
-        </p:spPr>
-        <p:txBody>
-          <a:bodyPr wrap="square" rtlCol="1">
-            <a:spAutoFit/>
-          </a:bodyPr>
-          <a:lstStyle/>
-          <a:p>
-            <a:r>
-              <a:rPr lang="en-US" sz="1200" dirty="0" smtClean="0"/>
-              <a:t>Data out</a:t>
-            </a:r>
-            <a:endParaRPr lang="he-IL" sz="1200" dirty="0"/>
-          </a:p>
-        </p:txBody>
-      </p:sp>
-      <p:cxnSp>
-        <p:nvCxnSpPr>
-          <p:cNvPr id="200" name="מחבר ישר 199"/>
-          <p:cNvCxnSpPr/>
-          <p:nvPr/>
-        </p:nvCxnSpPr>
-        <p:spPr>
-          <a:xfrm>
-            <a:off x="2555776" y="2492896"/>
-            <a:ext cx="576064" cy="0"/>
-          </a:xfrm>
-          <a:prstGeom prst="line">
-            <a:avLst/>
-          </a:prstGeom>
-          <a:ln w="19050">
-            <a:solidFill>
+            </a:fontRef>
+          </p:style>
+        </p:cxnSp>
+        <p:sp>
+          <p:nvSpPr>
+            <p:cNvPr id="201" name="TextBox 200"/>
+            <p:cNvSpPr txBox="1"/>
+            <p:nvPr/>
+          </p:nvSpPr>
+          <p:spPr>
+            <a:xfrm>
+              <a:off x="2483768" y="2215897"/>
+              <a:ext cx="864096" cy="276999"/>
+            </a:xfrm>
+            <a:prstGeom prst="rect">
+              <a:avLst/>
+            </a:prstGeom>
+            <a:noFill/>
+          </p:spPr>
+          <p:txBody>
+            <a:bodyPr wrap="square" rtlCol="1">
+              <a:spAutoFit/>
+            </a:bodyPr>
+            <a:lstStyle/>
+            <a:p>
+              <a:r>
+                <a:rPr lang="en-US" sz="1200" dirty="0" err="1" smtClean="0"/>
+                <a:t>Dout</a:t>
+              </a:r>
+              <a:r>
+                <a:rPr lang="en-US" sz="1200" dirty="0" smtClean="0"/>
+                <a:t> valid</a:t>
+              </a:r>
+              <a:endParaRPr lang="he-IL" sz="1200" dirty="0"/>
+            </a:p>
+          </p:txBody>
+        </p:sp>
+        <p:cxnSp>
+          <p:nvCxnSpPr>
+            <p:cNvPr id="202" name="מחבר ישר 201"/>
+            <p:cNvCxnSpPr/>
+            <p:nvPr/>
+          </p:nvCxnSpPr>
+          <p:spPr>
+            <a:xfrm>
+              <a:off x="1187624" y="1988840"/>
+              <a:ext cx="576064" cy="0"/>
+            </a:xfrm>
+            <a:prstGeom prst="line">
+              <a:avLst/>
+            </a:prstGeom>
+            <a:ln w="19050">
+              <a:solidFill>
+                <a:schemeClr val="tx1"/>
+              </a:solidFill>
+              <a:tailEnd type="none"/>
+            </a:ln>
+          </p:spPr>
+          <p:style>
+            <a:lnRef idx="1">
+              <a:schemeClr val="accent1"/>
+            </a:lnRef>
+            <a:fillRef idx="0">
+              <a:schemeClr val="accent1"/>
+            </a:fillRef>
+            <a:effectRef idx="0">
+              <a:schemeClr val="accent1"/>
+            </a:effectRef>
+            <a:fontRef idx="minor">
               <a:schemeClr val="tx1"/>
-            </a:solidFill>
-            <a:tailEnd type="none"/>
-          </a:ln>
-        </p:spPr>
-        <p:style>
-          <a:lnRef idx="1">
-            <a:schemeClr val="accent1"/>
-          </a:lnRef>
-          <a:fillRef idx="0">
-            <a:schemeClr val="accent1"/>
-          </a:fillRef>
-          <a:effectRef idx="0">
-            <a:schemeClr val="accent1"/>
-          </a:effectRef>
-          <a:fontRef idx="minor">
-            <a:schemeClr val="tx1"/>
-          </a:fontRef>
-        </p:style>
-      </p:cxnSp>
-      <p:sp>
-        <p:nvSpPr>
-          <p:cNvPr id="201" name="TextBox 200"/>
-          <p:cNvSpPr txBox="1"/>
-          <p:nvPr/>
-        </p:nvSpPr>
-        <p:spPr>
-          <a:xfrm>
-            <a:off x="2483768" y="2215897"/>
-            <a:ext cx="864096" cy="276999"/>
-          </a:xfrm>
-          <a:prstGeom prst="rect">
-            <a:avLst/>
-          </a:prstGeom>
-          <a:noFill/>
-        </p:spPr>
-        <p:txBody>
-          <a:bodyPr wrap="square" rtlCol="1">
-            <a:spAutoFit/>
-          </a:bodyPr>
-          <a:lstStyle/>
-          <a:p>
-            <a:r>
-              <a:rPr lang="en-US" sz="1200" dirty="0" err="1" smtClean="0"/>
-              <a:t>Dout</a:t>
-            </a:r>
-            <a:r>
-              <a:rPr lang="en-US" sz="1200" dirty="0" smtClean="0"/>
-              <a:t> valid</a:t>
-            </a:r>
-            <a:endParaRPr lang="he-IL" sz="1200" dirty="0"/>
-          </a:p>
-        </p:txBody>
-      </p:sp>
-      <p:cxnSp>
-        <p:nvCxnSpPr>
-          <p:cNvPr id="202" name="מחבר ישר 201"/>
-          <p:cNvCxnSpPr/>
-          <p:nvPr/>
-        </p:nvCxnSpPr>
-        <p:spPr>
-          <a:xfrm>
-            <a:off x="1187624" y="1988840"/>
-            <a:ext cx="576064" cy="0"/>
-          </a:xfrm>
-          <a:prstGeom prst="line">
-            <a:avLst/>
-          </a:prstGeom>
-          <a:ln w="19050">
-            <a:solidFill>
+            </a:fontRef>
+          </p:style>
+        </p:cxnSp>
+        <p:cxnSp>
+          <p:nvCxnSpPr>
+            <p:cNvPr id="203" name="מחבר ישר 202"/>
+            <p:cNvCxnSpPr/>
+            <p:nvPr/>
+          </p:nvCxnSpPr>
+          <p:spPr>
+            <a:xfrm>
+              <a:off x="1187624" y="2204864"/>
+              <a:ext cx="576064" cy="0"/>
+            </a:xfrm>
+            <a:prstGeom prst="line">
+              <a:avLst/>
+            </a:prstGeom>
+            <a:ln w="19050">
+              <a:solidFill>
+                <a:schemeClr val="tx1"/>
+              </a:solidFill>
+              <a:tailEnd type="none"/>
+            </a:ln>
+          </p:spPr>
+          <p:style>
+            <a:lnRef idx="1">
+              <a:schemeClr val="accent1"/>
+            </a:lnRef>
+            <a:fillRef idx="0">
+              <a:schemeClr val="accent1"/>
+            </a:fillRef>
+            <a:effectRef idx="0">
+              <a:schemeClr val="accent1"/>
+            </a:effectRef>
+            <a:fontRef idx="minor">
               <a:schemeClr val="tx1"/>
-            </a:solidFill>
-            <a:tailEnd type="none"/>
-          </a:ln>
-        </p:spPr>
-        <p:style>
-          <a:lnRef idx="1">
-            <a:schemeClr val="accent1"/>
-          </a:lnRef>
-          <a:fillRef idx="0">
-            <a:schemeClr val="accent1"/>
-          </a:fillRef>
-          <a:effectRef idx="0">
-            <a:schemeClr val="accent1"/>
-          </a:effectRef>
-          <a:fontRef idx="minor">
-            <a:schemeClr val="tx1"/>
-          </a:fontRef>
-        </p:style>
-      </p:cxnSp>
-      <p:cxnSp>
-        <p:nvCxnSpPr>
-          <p:cNvPr id="203" name="מחבר ישר 202"/>
-          <p:cNvCxnSpPr/>
-          <p:nvPr/>
-        </p:nvCxnSpPr>
-        <p:spPr>
-          <a:xfrm>
-            <a:off x="1187624" y="2204864"/>
-            <a:ext cx="576064" cy="0"/>
-          </a:xfrm>
-          <a:prstGeom prst="line">
-            <a:avLst/>
-          </a:prstGeom>
-          <a:ln w="19050">
-            <a:solidFill>
+            </a:fontRef>
+          </p:style>
+        </p:cxnSp>
+        <p:cxnSp>
+          <p:nvCxnSpPr>
+            <p:cNvPr id="204" name="מחבר ישר 203"/>
+            <p:cNvCxnSpPr/>
+            <p:nvPr/>
+          </p:nvCxnSpPr>
+          <p:spPr>
+            <a:xfrm>
+              <a:off x="1187624" y="2420888"/>
+              <a:ext cx="576064" cy="0"/>
+            </a:xfrm>
+            <a:prstGeom prst="line">
+              <a:avLst/>
+            </a:prstGeom>
+            <a:ln w="19050">
+              <a:solidFill>
+                <a:schemeClr val="tx1"/>
+              </a:solidFill>
+              <a:tailEnd type="none"/>
+            </a:ln>
+          </p:spPr>
+          <p:style>
+            <a:lnRef idx="1">
+              <a:schemeClr val="accent1"/>
+            </a:lnRef>
+            <a:fillRef idx="0">
+              <a:schemeClr val="accent1"/>
+            </a:fillRef>
+            <a:effectRef idx="0">
+              <a:schemeClr val="accent1"/>
+            </a:effectRef>
+            <a:fontRef idx="minor">
               <a:schemeClr val="tx1"/>
-            </a:solidFill>
-            <a:tailEnd type="none"/>
-          </a:ln>
-        </p:spPr>
-        <p:style>
-          <a:lnRef idx="1">
-            <a:schemeClr val="accent1"/>
-          </a:lnRef>
-          <a:fillRef idx="0">
-            <a:schemeClr val="accent1"/>
-          </a:fillRef>
-          <a:effectRef idx="0">
-            <a:schemeClr val="accent1"/>
-          </a:effectRef>
-          <a:fontRef idx="minor">
-            <a:schemeClr val="tx1"/>
-          </a:fontRef>
-        </p:style>
-      </p:cxnSp>
-      <p:cxnSp>
-        <p:nvCxnSpPr>
-          <p:cNvPr id="204" name="מחבר ישר 203"/>
-          <p:cNvCxnSpPr/>
-          <p:nvPr/>
-        </p:nvCxnSpPr>
-        <p:spPr>
-          <a:xfrm>
-            <a:off x="1187624" y="2420888"/>
-            <a:ext cx="576064" cy="0"/>
-          </a:xfrm>
-          <a:prstGeom prst="line">
-            <a:avLst/>
-          </a:prstGeom>
-          <a:ln w="19050">
-            <a:solidFill>
+            </a:fontRef>
+          </p:style>
+        </p:cxnSp>
+        <p:cxnSp>
+          <p:nvCxnSpPr>
+            <p:cNvPr id="205" name="מחבר ישר 204"/>
+            <p:cNvCxnSpPr/>
+            <p:nvPr/>
+          </p:nvCxnSpPr>
+          <p:spPr>
+            <a:xfrm>
+              <a:off x="1187624" y="2636912"/>
+              <a:ext cx="576064" cy="0"/>
+            </a:xfrm>
+            <a:prstGeom prst="line">
+              <a:avLst/>
+            </a:prstGeom>
+            <a:ln w="19050">
+              <a:solidFill>
+                <a:schemeClr val="tx1"/>
+              </a:solidFill>
+              <a:tailEnd type="none"/>
+            </a:ln>
+          </p:spPr>
+          <p:style>
+            <a:lnRef idx="1">
+              <a:schemeClr val="accent1"/>
+            </a:lnRef>
+            <a:fillRef idx="0">
+              <a:schemeClr val="accent1"/>
+            </a:fillRef>
+            <a:effectRef idx="0">
+              <a:schemeClr val="accent1"/>
+            </a:effectRef>
+            <a:fontRef idx="minor">
               <a:schemeClr val="tx1"/>
-            </a:solidFill>
-            <a:tailEnd type="none"/>
-          </a:ln>
-        </p:spPr>
-        <p:style>
-          <a:lnRef idx="1">
-            <a:schemeClr val="accent1"/>
-          </a:lnRef>
-          <a:fillRef idx="0">
-            <a:schemeClr val="accent1"/>
-          </a:fillRef>
-          <a:effectRef idx="0">
-            <a:schemeClr val="accent1"/>
-          </a:effectRef>
-          <a:fontRef idx="minor">
-            <a:schemeClr val="tx1"/>
-          </a:fontRef>
-        </p:style>
-      </p:cxnSp>
-      <p:cxnSp>
-        <p:nvCxnSpPr>
-          <p:cNvPr id="205" name="מחבר ישר 204"/>
-          <p:cNvCxnSpPr/>
-          <p:nvPr/>
-        </p:nvCxnSpPr>
-        <p:spPr>
-          <a:xfrm>
-            <a:off x="1187624" y="2636912"/>
-            <a:ext cx="576064" cy="0"/>
-          </a:xfrm>
-          <a:prstGeom prst="line">
-            <a:avLst/>
-          </a:prstGeom>
-          <a:ln w="19050">
-            <a:solidFill>
-              <a:schemeClr val="tx1"/>
-            </a:solidFill>
-            <a:tailEnd type="none"/>
-          </a:ln>
-        </p:spPr>
-        <p:style>
-          <a:lnRef idx="1">
-            <a:schemeClr val="accent1"/>
-          </a:lnRef>
-          <a:fillRef idx="0">
-            <a:schemeClr val="accent1"/>
-          </a:fillRef>
-          <a:effectRef idx="0">
-            <a:schemeClr val="accent1"/>
-          </a:effectRef>
-          <a:fontRef idx="minor">
-            <a:schemeClr val="tx1"/>
-          </a:fontRef>
-        </p:style>
-      </p:cxnSp>
-      <p:sp>
-        <p:nvSpPr>
-          <p:cNvPr id="206" name="TextBox 205"/>
-          <p:cNvSpPr txBox="1"/>
-          <p:nvPr/>
-        </p:nvSpPr>
-        <p:spPr>
-          <a:xfrm>
-            <a:off x="1043608" y="1772816"/>
-            <a:ext cx="720080" cy="276999"/>
-          </a:xfrm>
-          <a:prstGeom prst="rect">
-            <a:avLst/>
-          </a:prstGeom>
-          <a:noFill/>
-        </p:spPr>
-        <p:txBody>
-          <a:bodyPr wrap="square" rtlCol="1">
-            <a:spAutoFit/>
-          </a:bodyPr>
-          <a:lstStyle/>
-          <a:p>
-            <a:r>
-              <a:rPr lang="en-US" sz="1200" dirty="0" smtClean="0"/>
-              <a:t>Data in</a:t>
-            </a:r>
-            <a:endParaRPr lang="he-IL" sz="1200" dirty="0"/>
-          </a:p>
-        </p:txBody>
-      </p:sp>
-      <p:sp>
-        <p:nvSpPr>
-          <p:cNvPr id="207" name="TextBox 206"/>
-          <p:cNvSpPr txBox="1"/>
-          <p:nvPr/>
-        </p:nvSpPr>
-        <p:spPr>
-          <a:xfrm>
-            <a:off x="1043608" y="1944000"/>
-            <a:ext cx="720080" cy="276999"/>
-          </a:xfrm>
-          <a:prstGeom prst="rect">
-            <a:avLst/>
-          </a:prstGeom>
-          <a:noFill/>
-        </p:spPr>
-        <p:txBody>
-          <a:bodyPr wrap="square" rtlCol="1">
-            <a:spAutoFit/>
-          </a:bodyPr>
-          <a:lstStyle/>
-          <a:p>
-            <a:r>
-              <a:rPr lang="en-US" sz="1200" dirty="0" err="1" smtClean="0"/>
-              <a:t>Addr</a:t>
-            </a:r>
-            <a:r>
-              <a:rPr lang="en-US" sz="1200" dirty="0" smtClean="0"/>
-              <a:t> in</a:t>
-            </a:r>
-            <a:endParaRPr lang="he-IL" sz="1200" dirty="0"/>
-          </a:p>
-        </p:txBody>
-      </p:sp>
-      <p:sp>
-        <p:nvSpPr>
-          <p:cNvPr id="208" name="TextBox 207"/>
-          <p:cNvSpPr txBox="1"/>
-          <p:nvPr/>
-        </p:nvSpPr>
-        <p:spPr>
-          <a:xfrm>
-            <a:off x="971600" y="2160000"/>
-            <a:ext cx="792088" cy="276999"/>
-          </a:xfrm>
-          <a:prstGeom prst="rect">
-            <a:avLst/>
-          </a:prstGeom>
-          <a:noFill/>
-        </p:spPr>
-        <p:txBody>
-          <a:bodyPr wrap="square" rtlCol="1">
-            <a:spAutoFit/>
-          </a:bodyPr>
-          <a:lstStyle/>
-          <a:p>
-            <a:r>
-              <a:rPr lang="en-US" sz="1200" dirty="0" err="1" smtClean="0"/>
-              <a:t>Addr</a:t>
-            </a:r>
-            <a:r>
-              <a:rPr lang="en-US" sz="1200" dirty="0" smtClean="0"/>
-              <a:t> out</a:t>
-            </a:r>
-            <a:endParaRPr lang="he-IL" sz="1200" dirty="0"/>
-          </a:p>
-        </p:txBody>
-      </p:sp>
-      <p:sp>
-        <p:nvSpPr>
-          <p:cNvPr id="209" name="TextBox 208"/>
-          <p:cNvSpPr txBox="1"/>
-          <p:nvPr/>
-        </p:nvSpPr>
-        <p:spPr>
-          <a:xfrm>
-            <a:off x="899592" y="2376000"/>
-            <a:ext cx="864096" cy="276999"/>
-          </a:xfrm>
-          <a:prstGeom prst="rect">
-            <a:avLst/>
-          </a:prstGeom>
-          <a:noFill/>
-        </p:spPr>
-        <p:txBody>
-          <a:bodyPr wrap="square" rtlCol="1">
-            <a:spAutoFit/>
-          </a:bodyPr>
-          <a:lstStyle/>
-          <a:p>
-            <a:r>
-              <a:rPr lang="en-US" sz="1200" dirty="0" err="1" smtClean="0"/>
-              <a:t>Aout</a:t>
-            </a:r>
-            <a:r>
-              <a:rPr lang="en-US" sz="1200" dirty="0" smtClean="0"/>
-              <a:t> valid</a:t>
-            </a:r>
-            <a:endParaRPr lang="he-IL" sz="1200" dirty="0"/>
-          </a:p>
-        </p:txBody>
-      </p:sp>
+            </a:fontRef>
+          </p:style>
+        </p:cxnSp>
+        <p:sp>
+          <p:nvSpPr>
+            <p:cNvPr id="206" name="TextBox 205"/>
+            <p:cNvSpPr txBox="1"/>
+            <p:nvPr/>
+          </p:nvSpPr>
+          <p:spPr>
+            <a:xfrm>
+              <a:off x="1043608" y="1772816"/>
+              <a:ext cx="720080" cy="276999"/>
+            </a:xfrm>
+            <a:prstGeom prst="rect">
+              <a:avLst/>
+            </a:prstGeom>
+            <a:noFill/>
+          </p:spPr>
+          <p:txBody>
+            <a:bodyPr wrap="square" rtlCol="1">
+              <a:spAutoFit/>
+            </a:bodyPr>
+            <a:lstStyle/>
+            <a:p>
+              <a:r>
+                <a:rPr lang="en-US" sz="1200" dirty="0" smtClean="0"/>
+                <a:t>Data in</a:t>
+              </a:r>
+              <a:endParaRPr lang="he-IL" sz="1200" dirty="0"/>
+            </a:p>
+          </p:txBody>
+        </p:sp>
+        <p:sp>
+          <p:nvSpPr>
+            <p:cNvPr id="207" name="TextBox 206"/>
+            <p:cNvSpPr txBox="1"/>
+            <p:nvPr/>
+          </p:nvSpPr>
+          <p:spPr>
+            <a:xfrm>
+              <a:off x="1043608" y="1944000"/>
+              <a:ext cx="720080" cy="276999"/>
+            </a:xfrm>
+            <a:prstGeom prst="rect">
+              <a:avLst/>
+            </a:prstGeom>
+            <a:noFill/>
+          </p:spPr>
+          <p:txBody>
+            <a:bodyPr wrap="square" rtlCol="1">
+              <a:spAutoFit/>
+            </a:bodyPr>
+            <a:lstStyle/>
+            <a:p>
+              <a:r>
+                <a:rPr lang="en-US" sz="1200" dirty="0" err="1" smtClean="0"/>
+                <a:t>Addr</a:t>
+              </a:r>
+              <a:r>
+                <a:rPr lang="en-US" sz="1200" dirty="0" smtClean="0"/>
+                <a:t> in</a:t>
+              </a:r>
+              <a:endParaRPr lang="he-IL" sz="1200" dirty="0"/>
+            </a:p>
+          </p:txBody>
+        </p:sp>
+        <p:sp>
+          <p:nvSpPr>
+            <p:cNvPr id="208" name="TextBox 207"/>
+            <p:cNvSpPr txBox="1"/>
+            <p:nvPr/>
+          </p:nvSpPr>
+          <p:spPr>
+            <a:xfrm>
+              <a:off x="971600" y="2160000"/>
+              <a:ext cx="792088" cy="276999"/>
+            </a:xfrm>
+            <a:prstGeom prst="rect">
+              <a:avLst/>
+            </a:prstGeom>
+            <a:noFill/>
+          </p:spPr>
+          <p:txBody>
+            <a:bodyPr wrap="square" rtlCol="1">
+              <a:spAutoFit/>
+            </a:bodyPr>
+            <a:lstStyle/>
+            <a:p>
+              <a:r>
+                <a:rPr lang="en-US" sz="1200" dirty="0" err="1" smtClean="0"/>
+                <a:t>Addr</a:t>
+              </a:r>
+              <a:r>
+                <a:rPr lang="en-US" sz="1200" dirty="0" smtClean="0"/>
+                <a:t> out</a:t>
+              </a:r>
+              <a:endParaRPr lang="he-IL" sz="1200" dirty="0"/>
+            </a:p>
+          </p:txBody>
+        </p:sp>
+        <p:sp>
+          <p:nvSpPr>
+            <p:cNvPr id="209" name="TextBox 208"/>
+            <p:cNvSpPr txBox="1"/>
+            <p:nvPr/>
+          </p:nvSpPr>
+          <p:spPr>
+            <a:xfrm>
+              <a:off x="899592" y="2376000"/>
+              <a:ext cx="864096" cy="276999"/>
+            </a:xfrm>
+            <a:prstGeom prst="rect">
+              <a:avLst/>
+            </a:prstGeom>
+            <a:noFill/>
+          </p:spPr>
+          <p:txBody>
+            <a:bodyPr wrap="square" rtlCol="1">
+              <a:spAutoFit/>
+            </a:bodyPr>
+            <a:lstStyle/>
+            <a:p>
+              <a:r>
+                <a:rPr lang="en-US" sz="1200" dirty="0" err="1" smtClean="0"/>
+                <a:t>Aout</a:t>
+              </a:r>
+              <a:r>
+                <a:rPr lang="en-US" sz="1200" dirty="0" smtClean="0"/>
+                <a:t> valid</a:t>
+              </a:r>
+              <a:endParaRPr lang="he-IL" sz="1200" dirty="0"/>
+            </a:p>
+          </p:txBody>
+        </p:sp>
+      </p:grpSp>
     </p:spTree>
   </p:cSld>
   <p:clrMapOvr>
@@ -9372,7 +9387,7 @@
         <p:spPr>
           <a:xfrm>
             <a:off x="971600" y="404664"/>
-            <a:ext cx="7560840" cy="6048672"/>
+            <a:ext cx="7344816" cy="6048672"/>
           </a:xfrm>
           <a:prstGeom prst="rect">
             <a:avLst/>
@@ -9417,7 +9432,7 @@
         </p:nvGrpSpPr>
         <p:grpSpPr>
           <a:xfrm>
-            <a:off x="328658" y="836712"/>
+            <a:off x="328658" y="1567825"/>
             <a:ext cx="642942" cy="276999"/>
             <a:chOff x="142844" y="1223175"/>
             <a:chExt cx="642942" cy="276999"/>
@@ -9498,7 +9513,7 @@
         </p:nvGrpSpPr>
         <p:grpSpPr>
           <a:xfrm>
-            <a:off x="328658" y="1772816"/>
+            <a:off x="328658" y="2431921"/>
             <a:ext cx="642942" cy="276999"/>
             <a:chOff x="142844" y="1223175"/>
             <a:chExt cx="642942" cy="276999"/>
@@ -9580,7 +9595,7 @@
         </p:nvGrpSpPr>
         <p:grpSpPr>
           <a:xfrm>
-            <a:off x="323528" y="2420888"/>
+            <a:off x="323528" y="4221088"/>
             <a:ext cx="642942" cy="461665"/>
             <a:chOff x="142844" y="1068126"/>
             <a:chExt cx="642942" cy="461665"/>
@@ -9666,7 +9681,7 @@
         </p:nvGrpSpPr>
         <p:grpSpPr>
           <a:xfrm>
-            <a:off x="251520" y="4149080"/>
+            <a:off x="251520" y="5228183"/>
             <a:ext cx="709820" cy="577081"/>
             <a:chOff x="75966" y="924110"/>
             <a:chExt cx="709820" cy="577081"/>
@@ -9748,7 +9763,7 @@
         </p:nvGrpSpPr>
         <p:grpSpPr>
           <a:xfrm>
-            <a:off x="313268" y="3183359"/>
+            <a:off x="313268" y="3140968"/>
             <a:ext cx="642942" cy="461665"/>
             <a:chOff x="142844" y="1068126"/>
             <a:chExt cx="642942" cy="461665"/>
@@ -9830,7 +9845,7 @@
         </p:nvGrpSpPr>
         <p:grpSpPr>
           <a:xfrm>
-            <a:off x="308138" y="5199583"/>
+            <a:off x="308138" y="692696"/>
             <a:ext cx="642942" cy="461665"/>
             <a:chOff x="142844" y="1068126"/>
             <a:chExt cx="642942" cy="461665"/>
@@ -9920,7 +9935,7 @@
         </p:nvGrpSpPr>
         <p:grpSpPr>
           <a:xfrm>
-            <a:off x="2123728" y="775737"/>
+            <a:off x="1979712" y="1279793"/>
             <a:ext cx="1944216" cy="709047"/>
             <a:chOff x="2123728" y="775737"/>
             <a:chExt cx="1944216" cy="709047"/>
@@ -10201,6 +10216,2430 @@
           </p:txBody>
         </p:sp>
       </p:grpSp>
+      <p:grpSp>
+        <p:nvGrpSpPr>
+          <p:cNvPr id="50" name="קבוצה 49"/>
+          <p:cNvGrpSpPr/>
+          <p:nvPr/>
+        </p:nvGrpSpPr>
+        <p:grpSpPr>
+          <a:xfrm>
+            <a:off x="4716016" y="1423809"/>
+            <a:ext cx="2448272" cy="1429127"/>
+            <a:chOff x="899592" y="1279793"/>
+            <a:chExt cx="2448272" cy="1429127"/>
+          </a:xfrm>
+        </p:grpSpPr>
+        <p:sp>
+          <p:nvSpPr>
+            <p:cNvPr id="51" name="מלבן 50"/>
+            <p:cNvSpPr/>
+            <p:nvPr/>
+          </p:nvSpPr>
+          <p:spPr>
+            <a:xfrm>
+              <a:off x="1763688" y="1412776"/>
+              <a:ext cx="792088" cy="1296144"/>
+            </a:xfrm>
+            <a:prstGeom prst="rect">
+              <a:avLst/>
+            </a:prstGeom>
+            <a:noFill/>
+            <a:ln>
+              <a:solidFill>
+                <a:schemeClr val="tx1"/>
+              </a:solidFill>
+            </a:ln>
+          </p:spPr>
+          <p:style>
+            <a:lnRef idx="2">
+              <a:schemeClr val="accent1">
+                <a:shade val="50000"/>
+              </a:schemeClr>
+            </a:lnRef>
+            <a:fillRef idx="1">
+              <a:schemeClr val="accent1"/>
+            </a:fillRef>
+            <a:effectRef idx="0">
+              <a:schemeClr val="accent1"/>
+            </a:effectRef>
+            <a:fontRef idx="minor">
+              <a:schemeClr val="lt1"/>
+            </a:fontRef>
+          </p:style>
+          <p:txBody>
+            <a:bodyPr rtlCol="1" anchor="ctr"/>
+            <a:lstStyle/>
+            <a:p>
+              <a:pPr algn="ctr"/>
+              <a:endParaRPr lang="he-IL"/>
+            </a:p>
+          </p:txBody>
+        </p:sp>
+        <p:sp>
+          <p:nvSpPr>
+            <p:cNvPr id="52" name="TextBox 51"/>
+            <p:cNvSpPr txBox="1"/>
+            <p:nvPr/>
+          </p:nvSpPr>
+          <p:spPr>
+            <a:xfrm>
+              <a:off x="1763688" y="1484784"/>
+              <a:ext cx="864096" cy="430887"/>
+            </a:xfrm>
+            <a:prstGeom prst="rect">
+              <a:avLst/>
+            </a:prstGeom>
+            <a:noFill/>
+          </p:spPr>
+          <p:txBody>
+            <a:bodyPr wrap="square" rtlCol="1">
+              <a:spAutoFit/>
+            </a:bodyPr>
+            <a:lstStyle/>
+            <a:p>
+              <a:pPr algn="ctr"/>
+              <a:r>
+                <a:rPr lang="en-US" sz="1100" dirty="0" smtClean="0"/>
+                <a:t>Simple RAM</a:t>
+              </a:r>
+              <a:endParaRPr lang="he-IL" sz="1100" dirty="0"/>
+            </a:p>
+          </p:txBody>
+        </p:sp>
+        <p:cxnSp>
+          <p:nvCxnSpPr>
+            <p:cNvPr id="53" name="מחבר ישר 52"/>
+            <p:cNvCxnSpPr/>
+            <p:nvPr/>
+          </p:nvCxnSpPr>
+          <p:spPr>
+            <a:xfrm>
+              <a:off x="1187624" y="1556792"/>
+              <a:ext cx="576064" cy="0"/>
+            </a:xfrm>
+            <a:prstGeom prst="line">
+              <a:avLst/>
+            </a:prstGeom>
+            <a:ln w="19050">
+              <a:solidFill>
+                <a:schemeClr val="tx1"/>
+              </a:solidFill>
+              <a:tailEnd type="none"/>
+            </a:ln>
+          </p:spPr>
+          <p:style>
+            <a:lnRef idx="1">
+              <a:schemeClr val="accent1"/>
+            </a:lnRef>
+            <a:fillRef idx="0">
+              <a:schemeClr val="accent1"/>
+            </a:fillRef>
+            <a:effectRef idx="0">
+              <a:schemeClr val="accent1"/>
+            </a:effectRef>
+            <a:fontRef idx="minor">
+              <a:schemeClr val="tx1"/>
+            </a:fontRef>
+          </p:style>
+        </p:cxnSp>
+        <p:cxnSp>
+          <p:nvCxnSpPr>
+            <p:cNvPr id="54" name="מחבר ישר 53"/>
+            <p:cNvCxnSpPr/>
+            <p:nvPr/>
+          </p:nvCxnSpPr>
+          <p:spPr>
+            <a:xfrm>
+              <a:off x="1187624" y="1772816"/>
+              <a:ext cx="576064" cy="0"/>
+            </a:xfrm>
+            <a:prstGeom prst="line">
+              <a:avLst/>
+            </a:prstGeom>
+            <a:ln w="19050">
+              <a:solidFill>
+                <a:schemeClr val="tx1"/>
+              </a:solidFill>
+              <a:tailEnd type="none"/>
+            </a:ln>
+          </p:spPr>
+          <p:style>
+            <a:lnRef idx="1">
+              <a:schemeClr val="accent1"/>
+            </a:lnRef>
+            <a:fillRef idx="0">
+              <a:schemeClr val="accent1"/>
+            </a:fillRef>
+            <a:effectRef idx="0">
+              <a:schemeClr val="accent1"/>
+            </a:effectRef>
+            <a:fontRef idx="minor">
+              <a:schemeClr val="tx1"/>
+            </a:fontRef>
+          </p:style>
+        </p:cxnSp>
+        <p:sp>
+          <p:nvSpPr>
+            <p:cNvPr id="55" name="TextBox 54"/>
+            <p:cNvSpPr txBox="1"/>
+            <p:nvPr/>
+          </p:nvSpPr>
+          <p:spPr>
+            <a:xfrm>
+              <a:off x="1043608" y="1279793"/>
+              <a:ext cx="720080" cy="276999"/>
+            </a:xfrm>
+            <a:prstGeom prst="rect">
+              <a:avLst/>
+            </a:prstGeom>
+            <a:noFill/>
+          </p:spPr>
+          <p:txBody>
+            <a:bodyPr wrap="square" rtlCol="1">
+              <a:spAutoFit/>
+            </a:bodyPr>
+            <a:lstStyle/>
+            <a:p>
+              <a:r>
+                <a:rPr lang="en-US" sz="1200" dirty="0" smtClean="0"/>
+                <a:t>Din valid</a:t>
+              </a:r>
+              <a:endParaRPr lang="he-IL" sz="1200" dirty="0"/>
+            </a:p>
+          </p:txBody>
+        </p:sp>
+        <p:sp>
+          <p:nvSpPr>
+            <p:cNvPr id="56" name="TextBox 55"/>
+            <p:cNvSpPr txBox="1"/>
+            <p:nvPr/>
+          </p:nvSpPr>
+          <p:spPr>
+            <a:xfrm>
+              <a:off x="1115616" y="1512000"/>
+              <a:ext cx="576064" cy="276999"/>
+            </a:xfrm>
+            <a:prstGeom prst="rect">
+              <a:avLst/>
+            </a:prstGeom>
+            <a:noFill/>
+          </p:spPr>
+          <p:txBody>
+            <a:bodyPr wrap="square" rtlCol="1">
+              <a:spAutoFit/>
+            </a:bodyPr>
+            <a:lstStyle/>
+            <a:p>
+              <a:r>
+                <a:rPr lang="en-US" sz="1200" dirty="0" err="1" smtClean="0"/>
+                <a:t>clk</a:t>
+              </a:r>
+              <a:endParaRPr lang="he-IL" sz="1200" dirty="0"/>
+            </a:p>
+          </p:txBody>
+        </p:sp>
+        <p:cxnSp>
+          <p:nvCxnSpPr>
+            <p:cNvPr id="57" name="מחבר ישר 56"/>
+            <p:cNvCxnSpPr/>
+            <p:nvPr/>
+          </p:nvCxnSpPr>
+          <p:spPr>
+            <a:xfrm>
+              <a:off x="2555776" y="1772816"/>
+              <a:ext cx="576064" cy="0"/>
+            </a:xfrm>
+            <a:prstGeom prst="line">
+              <a:avLst/>
+            </a:prstGeom>
+            <a:ln w="19050">
+              <a:solidFill>
+                <a:schemeClr val="tx1"/>
+              </a:solidFill>
+              <a:tailEnd type="none"/>
+            </a:ln>
+          </p:spPr>
+          <p:style>
+            <a:lnRef idx="1">
+              <a:schemeClr val="accent1"/>
+            </a:lnRef>
+            <a:fillRef idx="0">
+              <a:schemeClr val="accent1"/>
+            </a:fillRef>
+            <a:effectRef idx="0">
+              <a:schemeClr val="accent1"/>
+            </a:effectRef>
+            <a:fontRef idx="minor">
+              <a:schemeClr val="tx1"/>
+            </a:fontRef>
+          </p:style>
+        </p:cxnSp>
+        <p:sp>
+          <p:nvSpPr>
+            <p:cNvPr id="58" name="TextBox 57"/>
+            <p:cNvSpPr txBox="1"/>
+            <p:nvPr/>
+          </p:nvSpPr>
+          <p:spPr>
+            <a:xfrm>
+              <a:off x="2483768" y="1495817"/>
+              <a:ext cx="720080" cy="276999"/>
+            </a:xfrm>
+            <a:prstGeom prst="rect">
+              <a:avLst/>
+            </a:prstGeom>
+            <a:noFill/>
+          </p:spPr>
+          <p:txBody>
+            <a:bodyPr wrap="square" rtlCol="1">
+              <a:spAutoFit/>
+            </a:bodyPr>
+            <a:lstStyle/>
+            <a:p>
+              <a:r>
+                <a:rPr lang="en-US" sz="1200" dirty="0" smtClean="0"/>
+                <a:t>Data out</a:t>
+              </a:r>
+              <a:endParaRPr lang="he-IL" sz="1200" dirty="0"/>
+            </a:p>
+          </p:txBody>
+        </p:sp>
+        <p:cxnSp>
+          <p:nvCxnSpPr>
+            <p:cNvPr id="59" name="מחבר ישר 58"/>
+            <p:cNvCxnSpPr/>
+            <p:nvPr/>
+          </p:nvCxnSpPr>
+          <p:spPr>
+            <a:xfrm>
+              <a:off x="2555776" y="2492896"/>
+              <a:ext cx="576064" cy="0"/>
+            </a:xfrm>
+            <a:prstGeom prst="line">
+              <a:avLst/>
+            </a:prstGeom>
+            <a:ln w="19050">
+              <a:solidFill>
+                <a:schemeClr val="tx1"/>
+              </a:solidFill>
+              <a:tailEnd type="none"/>
+            </a:ln>
+          </p:spPr>
+          <p:style>
+            <a:lnRef idx="1">
+              <a:schemeClr val="accent1"/>
+            </a:lnRef>
+            <a:fillRef idx="0">
+              <a:schemeClr val="accent1"/>
+            </a:fillRef>
+            <a:effectRef idx="0">
+              <a:schemeClr val="accent1"/>
+            </a:effectRef>
+            <a:fontRef idx="minor">
+              <a:schemeClr val="tx1"/>
+            </a:fontRef>
+          </p:style>
+        </p:cxnSp>
+        <p:sp>
+          <p:nvSpPr>
+            <p:cNvPr id="60" name="TextBox 59"/>
+            <p:cNvSpPr txBox="1"/>
+            <p:nvPr/>
+          </p:nvSpPr>
+          <p:spPr>
+            <a:xfrm>
+              <a:off x="2483768" y="2215897"/>
+              <a:ext cx="864096" cy="276999"/>
+            </a:xfrm>
+            <a:prstGeom prst="rect">
+              <a:avLst/>
+            </a:prstGeom>
+            <a:noFill/>
+          </p:spPr>
+          <p:txBody>
+            <a:bodyPr wrap="square" rtlCol="1">
+              <a:spAutoFit/>
+            </a:bodyPr>
+            <a:lstStyle/>
+            <a:p>
+              <a:r>
+                <a:rPr lang="en-US" sz="1200" dirty="0" err="1" smtClean="0"/>
+                <a:t>Dout</a:t>
+              </a:r>
+              <a:r>
+                <a:rPr lang="en-US" sz="1200" dirty="0" smtClean="0"/>
+                <a:t> valid</a:t>
+              </a:r>
+              <a:endParaRPr lang="he-IL" sz="1200" dirty="0"/>
+            </a:p>
+          </p:txBody>
+        </p:sp>
+        <p:cxnSp>
+          <p:nvCxnSpPr>
+            <p:cNvPr id="61" name="מחבר ישר 60"/>
+            <p:cNvCxnSpPr/>
+            <p:nvPr/>
+          </p:nvCxnSpPr>
+          <p:spPr>
+            <a:xfrm>
+              <a:off x="1187624" y="1988840"/>
+              <a:ext cx="576064" cy="0"/>
+            </a:xfrm>
+            <a:prstGeom prst="line">
+              <a:avLst/>
+            </a:prstGeom>
+            <a:ln w="19050">
+              <a:solidFill>
+                <a:schemeClr val="tx1"/>
+              </a:solidFill>
+              <a:tailEnd type="none"/>
+            </a:ln>
+          </p:spPr>
+          <p:style>
+            <a:lnRef idx="1">
+              <a:schemeClr val="accent1"/>
+            </a:lnRef>
+            <a:fillRef idx="0">
+              <a:schemeClr val="accent1"/>
+            </a:fillRef>
+            <a:effectRef idx="0">
+              <a:schemeClr val="accent1"/>
+            </a:effectRef>
+            <a:fontRef idx="minor">
+              <a:schemeClr val="tx1"/>
+            </a:fontRef>
+          </p:style>
+        </p:cxnSp>
+        <p:cxnSp>
+          <p:nvCxnSpPr>
+            <p:cNvPr id="62" name="מחבר ישר 61"/>
+            <p:cNvCxnSpPr/>
+            <p:nvPr/>
+          </p:nvCxnSpPr>
+          <p:spPr>
+            <a:xfrm>
+              <a:off x="1187624" y="2204864"/>
+              <a:ext cx="576064" cy="0"/>
+            </a:xfrm>
+            <a:prstGeom prst="line">
+              <a:avLst/>
+            </a:prstGeom>
+            <a:ln w="19050">
+              <a:solidFill>
+                <a:schemeClr val="tx1"/>
+              </a:solidFill>
+              <a:tailEnd type="none"/>
+            </a:ln>
+          </p:spPr>
+          <p:style>
+            <a:lnRef idx="1">
+              <a:schemeClr val="accent1"/>
+            </a:lnRef>
+            <a:fillRef idx="0">
+              <a:schemeClr val="accent1"/>
+            </a:fillRef>
+            <a:effectRef idx="0">
+              <a:schemeClr val="accent1"/>
+            </a:effectRef>
+            <a:fontRef idx="minor">
+              <a:schemeClr val="tx1"/>
+            </a:fontRef>
+          </p:style>
+        </p:cxnSp>
+        <p:cxnSp>
+          <p:nvCxnSpPr>
+            <p:cNvPr id="63" name="מחבר ישר 62"/>
+            <p:cNvCxnSpPr/>
+            <p:nvPr/>
+          </p:nvCxnSpPr>
+          <p:spPr>
+            <a:xfrm>
+              <a:off x="1187624" y="2420888"/>
+              <a:ext cx="576064" cy="0"/>
+            </a:xfrm>
+            <a:prstGeom prst="line">
+              <a:avLst/>
+            </a:prstGeom>
+            <a:ln w="19050">
+              <a:solidFill>
+                <a:schemeClr val="tx1"/>
+              </a:solidFill>
+              <a:tailEnd type="none"/>
+            </a:ln>
+          </p:spPr>
+          <p:style>
+            <a:lnRef idx="1">
+              <a:schemeClr val="accent1"/>
+            </a:lnRef>
+            <a:fillRef idx="0">
+              <a:schemeClr val="accent1"/>
+            </a:fillRef>
+            <a:effectRef idx="0">
+              <a:schemeClr val="accent1"/>
+            </a:effectRef>
+            <a:fontRef idx="minor">
+              <a:schemeClr val="tx1"/>
+            </a:fontRef>
+          </p:style>
+        </p:cxnSp>
+        <p:cxnSp>
+          <p:nvCxnSpPr>
+            <p:cNvPr id="64" name="מחבר ישר 63"/>
+            <p:cNvCxnSpPr/>
+            <p:nvPr/>
+          </p:nvCxnSpPr>
+          <p:spPr>
+            <a:xfrm>
+              <a:off x="1187624" y="2636912"/>
+              <a:ext cx="576064" cy="0"/>
+            </a:xfrm>
+            <a:prstGeom prst="line">
+              <a:avLst/>
+            </a:prstGeom>
+            <a:ln w="19050">
+              <a:solidFill>
+                <a:schemeClr val="tx1"/>
+              </a:solidFill>
+              <a:tailEnd type="none"/>
+            </a:ln>
+          </p:spPr>
+          <p:style>
+            <a:lnRef idx="1">
+              <a:schemeClr val="accent1"/>
+            </a:lnRef>
+            <a:fillRef idx="0">
+              <a:schemeClr val="accent1"/>
+            </a:fillRef>
+            <a:effectRef idx="0">
+              <a:schemeClr val="accent1"/>
+            </a:effectRef>
+            <a:fontRef idx="minor">
+              <a:schemeClr val="tx1"/>
+            </a:fontRef>
+          </p:style>
+        </p:cxnSp>
+        <p:sp>
+          <p:nvSpPr>
+            <p:cNvPr id="65" name="TextBox 64"/>
+            <p:cNvSpPr txBox="1"/>
+            <p:nvPr/>
+          </p:nvSpPr>
+          <p:spPr>
+            <a:xfrm>
+              <a:off x="1043608" y="1772816"/>
+              <a:ext cx="720080" cy="276999"/>
+            </a:xfrm>
+            <a:prstGeom prst="rect">
+              <a:avLst/>
+            </a:prstGeom>
+            <a:noFill/>
+          </p:spPr>
+          <p:txBody>
+            <a:bodyPr wrap="square" rtlCol="1">
+              <a:spAutoFit/>
+            </a:bodyPr>
+            <a:lstStyle/>
+            <a:p>
+              <a:r>
+                <a:rPr lang="en-US" sz="1200" dirty="0" smtClean="0"/>
+                <a:t>Data in</a:t>
+              </a:r>
+              <a:endParaRPr lang="he-IL" sz="1200" dirty="0"/>
+            </a:p>
+          </p:txBody>
+        </p:sp>
+        <p:sp>
+          <p:nvSpPr>
+            <p:cNvPr id="66" name="TextBox 65"/>
+            <p:cNvSpPr txBox="1"/>
+            <p:nvPr/>
+          </p:nvSpPr>
+          <p:spPr>
+            <a:xfrm>
+              <a:off x="1043608" y="1944000"/>
+              <a:ext cx="720080" cy="276999"/>
+            </a:xfrm>
+            <a:prstGeom prst="rect">
+              <a:avLst/>
+            </a:prstGeom>
+            <a:noFill/>
+          </p:spPr>
+          <p:txBody>
+            <a:bodyPr wrap="square" rtlCol="1">
+              <a:spAutoFit/>
+            </a:bodyPr>
+            <a:lstStyle/>
+            <a:p>
+              <a:r>
+                <a:rPr lang="en-US" sz="1200" dirty="0" err="1" smtClean="0"/>
+                <a:t>Addr</a:t>
+              </a:r>
+              <a:r>
+                <a:rPr lang="en-US" sz="1200" dirty="0" smtClean="0"/>
+                <a:t> in</a:t>
+              </a:r>
+              <a:endParaRPr lang="he-IL" sz="1200" dirty="0"/>
+            </a:p>
+          </p:txBody>
+        </p:sp>
+        <p:sp>
+          <p:nvSpPr>
+            <p:cNvPr id="67" name="TextBox 66"/>
+            <p:cNvSpPr txBox="1"/>
+            <p:nvPr/>
+          </p:nvSpPr>
+          <p:spPr>
+            <a:xfrm>
+              <a:off x="971600" y="2160000"/>
+              <a:ext cx="792088" cy="276999"/>
+            </a:xfrm>
+            <a:prstGeom prst="rect">
+              <a:avLst/>
+            </a:prstGeom>
+            <a:noFill/>
+          </p:spPr>
+          <p:txBody>
+            <a:bodyPr wrap="square" rtlCol="1">
+              <a:spAutoFit/>
+            </a:bodyPr>
+            <a:lstStyle/>
+            <a:p>
+              <a:r>
+                <a:rPr lang="en-US" sz="1200" dirty="0" err="1" smtClean="0"/>
+                <a:t>Addr</a:t>
+              </a:r>
+              <a:r>
+                <a:rPr lang="en-US" sz="1200" dirty="0" smtClean="0"/>
+                <a:t> out</a:t>
+              </a:r>
+              <a:endParaRPr lang="he-IL" sz="1200" dirty="0"/>
+            </a:p>
+          </p:txBody>
+        </p:sp>
+        <p:sp>
+          <p:nvSpPr>
+            <p:cNvPr id="68" name="TextBox 67"/>
+            <p:cNvSpPr txBox="1"/>
+            <p:nvPr/>
+          </p:nvSpPr>
+          <p:spPr>
+            <a:xfrm>
+              <a:off x="899592" y="2376000"/>
+              <a:ext cx="864096" cy="276999"/>
+            </a:xfrm>
+            <a:prstGeom prst="rect">
+              <a:avLst/>
+            </a:prstGeom>
+            <a:noFill/>
+          </p:spPr>
+          <p:txBody>
+            <a:bodyPr wrap="square" rtlCol="1">
+              <a:spAutoFit/>
+            </a:bodyPr>
+            <a:lstStyle/>
+            <a:p>
+              <a:r>
+                <a:rPr lang="en-US" sz="1200" dirty="0" err="1" smtClean="0"/>
+                <a:t>Aout</a:t>
+              </a:r>
+              <a:r>
+                <a:rPr lang="en-US" sz="1200" dirty="0" smtClean="0"/>
+                <a:t> valid</a:t>
+              </a:r>
+              <a:endParaRPr lang="he-IL" sz="1200" dirty="0"/>
+            </a:p>
+          </p:txBody>
+        </p:sp>
+      </p:grpSp>
+      <p:grpSp>
+        <p:nvGrpSpPr>
+          <p:cNvPr id="69" name="קבוצה 68"/>
+          <p:cNvGrpSpPr/>
+          <p:nvPr/>
+        </p:nvGrpSpPr>
+        <p:grpSpPr>
+          <a:xfrm>
+            <a:off x="4716016" y="3512041"/>
+            <a:ext cx="2448272" cy="1429127"/>
+            <a:chOff x="899592" y="1279793"/>
+            <a:chExt cx="2448272" cy="1429127"/>
+          </a:xfrm>
+        </p:grpSpPr>
+        <p:sp>
+          <p:nvSpPr>
+            <p:cNvPr id="70" name="מלבן 69"/>
+            <p:cNvSpPr/>
+            <p:nvPr/>
+          </p:nvSpPr>
+          <p:spPr>
+            <a:xfrm>
+              <a:off x="1763688" y="1412776"/>
+              <a:ext cx="792088" cy="1296144"/>
+            </a:xfrm>
+            <a:prstGeom prst="rect">
+              <a:avLst/>
+            </a:prstGeom>
+            <a:noFill/>
+            <a:ln>
+              <a:solidFill>
+                <a:schemeClr val="tx1"/>
+              </a:solidFill>
+            </a:ln>
+          </p:spPr>
+          <p:style>
+            <a:lnRef idx="2">
+              <a:schemeClr val="accent1">
+                <a:shade val="50000"/>
+              </a:schemeClr>
+            </a:lnRef>
+            <a:fillRef idx="1">
+              <a:schemeClr val="accent1"/>
+            </a:fillRef>
+            <a:effectRef idx="0">
+              <a:schemeClr val="accent1"/>
+            </a:effectRef>
+            <a:fontRef idx="minor">
+              <a:schemeClr val="lt1"/>
+            </a:fontRef>
+          </p:style>
+          <p:txBody>
+            <a:bodyPr rtlCol="1" anchor="ctr"/>
+            <a:lstStyle/>
+            <a:p>
+              <a:pPr algn="ctr"/>
+              <a:endParaRPr lang="he-IL"/>
+            </a:p>
+          </p:txBody>
+        </p:sp>
+        <p:sp>
+          <p:nvSpPr>
+            <p:cNvPr id="71" name="TextBox 70"/>
+            <p:cNvSpPr txBox="1"/>
+            <p:nvPr/>
+          </p:nvSpPr>
+          <p:spPr>
+            <a:xfrm>
+              <a:off x="1763688" y="1484784"/>
+              <a:ext cx="864096" cy="430887"/>
+            </a:xfrm>
+            <a:prstGeom prst="rect">
+              <a:avLst/>
+            </a:prstGeom>
+            <a:noFill/>
+          </p:spPr>
+          <p:txBody>
+            <a:bodyPr wrap="square" rtlCol="1">
+              <a:spAutoFit/>
+            </a:bodyPr>
+            <a:lstStyle/>
+            <a:p>
+              <a:pPr algn="ctr"/>
+              <a:r>
+                <a:rPr lang="en-US" sz="1100" dirty="0" smtClean="0"/>
+                <a:t>Simple RAM</a:t>
+              </a:r>
+              <a:endParaRPr lang="he-IL" sz="1100" dirty="0"/>
+            </a:p>
+          </p:txBody>
+        </p:sp>
+        <p:cxnSp>
+          <p:nvCxnSpPr>
+            <p:cNvPr id="72" name="מחבר ישר 71"/>
+            <p:cNvCxnSpPr/>
+            <p:nvPr/>
+          </p:nvCxnSpPr>
+          <p:spPr>
+            <a:xfrm>
+              <a:off x="1187624" y="1556792"/>
+              <a:ext cx="576064" cy="0"/>
+            </a:xfrm>
+            <a:prstGeom prst="line">
+              <a:avLst/>
+            </a:prstGeom>
+            <a:ln w="19050">
+              <a:solidFill>
+                <a:schemeClr val="tx1"/>
+              </a:solidFill>
+              <a:tailEnd type="none"/>
+            </a:ln>
+          </p:spPr>
+          <p:style>
+            <a:lnRef idx="1">
+              <a:schemeClr val="accent1"/>
+            </a:lnRef>
+            <a:fillRef idx="0">
+              <a:schemeClr val="accent1"/>
+            </a:fillRef>
+            <a:effectRef idx="0">
+              <a:schemeClr val="accent1"/>
+            </a:effectRef>
+            <a:fontRef idx="minor">
+              <a:schemeClr val="tx1"/>
+            </a:fontRef>
+          </p:style>
+        </p:cxnSp>
+        <p:cxnSp>
+          <p:nvCxnSpPr>
+            <p:cNvPr id="73" name="מחבר ישר 72"/>
+            <p:cNvCxnSpPr/>
+            <p:nvPr/>
+          </p:nvCxnSpPr>
+          <p:spPr>
+            <a:xfrm>
+              <a:off x="1187624" y="1772816"/>
+              <a:ext cx="576064" cy="0"/>
+            </a:xfrm>
+            <a:prstGeom prst="line">
+              <a:avLst/>
+            </a:prstGeom>
+            <a:ln w="19050">
+              <a:solidFill>
+                <a:schemeClr val="tx1"/>
+              </a:solidFill>
+              <a:tailEnd type="none"/>
+            </a:ln>
+          </p:spPr>
+          <p:style>
+            <a:lnRef idx="1">
+              <a:schemeClr val="accent1"/>
+            </a:lnRef>
+            <a:fillRef idx="0">
+              <a:schemeClr val="accent1"/>
+            </a:fillRef>
+            <a:effectRef idx="0">
+              <a:schemeClr val="accent1"/>
+            </a:effectRef>
+            <a:fontRef idx="minor">
+              <a:schemeClr val="tx1"/>
+            </a:fontRef>
+          </p:style>
+        </p:cxnSp>
+        <p:sp>
+          <p:nvSpPr>
+            <p:cNvPr id="74" name="TextBox 73"/>
+            <p:cNvSpPr txBox="1"/>
+            <p:nvPr/>
+          </p:nvSpPr>
+          <p:spPr>
+            <a:xfrm>
+              <a:off x="1043608" y="1279793"/>
+              <a:ext cx="720080" cy="276999"/>
+            </a:xfrm>
+            <a:prstGeom prst="rect">
+              <a:avLst/>
+            </a:prstGeom>
+            <a:noFill/>
+          </p:spPr>
+          <p:txBody>
+            <a:bodyPr wrap="square" rtlCol="1">
+              <a:spAutoFit/>
+            </a:bodyPr>
+            <a:lstStyle/>
+            <a:p>
+              <a:r>
+                <a:rPr lang="en-US" sz="1200" dirty="0" smtClean="0"/>
+                <a:t>Din valid</a:t>
+              </a:r>
+              <a:endParaRPr lang="he-IL" sz="1200" dirty="0"/>
+            </a:p>
+          </p:txBody>
+        </p:sp>
+        <p:sp>
+          <p:nvSpPr>
+            <p:cNvPr id="75" name="TextBox 74"/>
+            <p:cNvSpPr txBox="1"/>
+            <p:nvPr/>
+          </p:nvSpPr>
+          <p:spPr>
+            <a:xfrm>
+              <a:off x="1115616" y="1512000"/>
+              <a:ext cx="576064" cy="276999"/>
+            </a:xfrm>
+            <a:prstGeom prst="rect">
+              <a:avLst/>
+            </a:prstGeom>
+            <a:noFill/>
+          </p:spPr>
+          <p:txBody>
+            <a:bodyPr wrap="square" rtlCol="1">
+              <a:spAutoFit/>
+            </a:bodyPr>
+            <a:lstStyle/>
+            <a:p>
+              <a:r>
+                <a:rPr lang="en-US" sz="1200" dirty="0" err="1" smtClean="0"/>
+                <a:t>clk</a:t>
+              </a:r>
+              <a:endParaRPr lang="he-IL" sz="1200" dirty="0"/>
+            </a:p>
+          </p:txBody>
+        </p:sp>
+        <p:cxnSp>
+          <p:nvCxnSpPr>
+            <p:cNvPr id="76" name="מחבר ישר 75"/>
+            <p:cNvCxnSpPr/>
+            <p:nvPr/>
+          </p:nvCxnSpPr>
+          <p:spPr>
+            <a:xfrm>
+              <a:off x="2555776" y="1772816"/>
+              <a:ext cx="576064" cy="0"/>
+            </a:xfrm>
+            <a:prstGeom prst="line">
+              <a:avLst/>
+            </a:prstGeom>
+            <a:ln w="19050">
+              <a:solidFill>
+                <a:schemeClr val="tx1"/>
+              </a:solidFill>
+              <a:tailEnd type="none"/>
+            </a:ln>
+          </p:spPr>
+          <p:style>
+            <a:lnRef idx="1">
+              <a:schemeClr val="accent1"/>
+            </a:lnRef>
+            <a:fillRef idx="0">
+              <a:schemeClr val="accent1"/>
+            </a:fillRef>
+            <a:effectRef idx="0">
+              <a:schemeClr val="accent1"/>
+            </a:effectRef>
+            <a:fontRef idx="minor">
+              <a:schemeClr val="tx1"/>
+            </a:fontRef>
+          </p:style>
+        </p:cxnSp>
+        <p:sp>
+          <p:nvSpPr>
+            <p:cNvPr id="77" name="TextBox 76"/>
+            <p:cNvSpPr txBox="1"/>
+            <p:nvPr/>
+          </p:nvSpPr>
+          <p:spPr>
+            <a:xfrm>
+              <a:off x="2483768" y="1495817"/>
+              <a:ext cx="720080" cy="276999"/>
+            </a:xfrm>
+            <a:prstGeom prst="rect">
+              <a:avLst/>
+            </a:prstGeom>
+            <a:noFill/>
+          </p:spPr>
+          <p:txBody>
+            <a:bodyPr wrap="square" rtlCol="1">
+              <a:spAutoFit/>
+            </a:bodyPr>
+            <a:lstStyle/>
+            <a:p>
+              <a:r>
+                <a:rPr lang="en-US" sz="1200" dirty="0" smtClean="0"/>
+                <a:t>Data out</a:t>
+              </a:r>
+              <a:endParaRPr lang="he-IL" sz="1200" dirty="0"/>
+            </a:p>
+          </p:txBody>
+        </p:sp>
+        <p:cxnSp>
+          <p:nvCxnSpPr>
+            <p:cNvPr id="78" name="מחבר ישר 77"/>
+            <p:cNvCxnSpPr/>
+            <p:nvPr/>
+          </p:nvCxnSpPr>
+          <p:spPr>
+            <a:xfrm>
+              <a:off x="2555776" y="2492896"/>
+              <a:ext cx="576064" cy="0"/>
+            </a:xfrm>
+            <a:prstGeom prst="line">
+              <a:avLst/>
+            </a:prstGeom>
+            <a:ln w="19050">
+              <a:solidFill>
+                <a:schemeClr val="tx1"/>
+              </a:solidFill>
+              <a:tailEnd type="none"/>
+            </a:ln>
+          </p:spPr>
+          <p:style>
+            <a:lnRef idx="1">
+              <a:schemeClr val="accent1"/>
+            </a:lnRef>
+            <a:fillRef idx="0">
+              <a:schemeClr val="accent1"/>
+            </a:fillRef>
+            <a:effectRef idx="0">
+              <a:schemeClr val="accent1"/>
+            </a:effectRef>
+            <a:fontRef idx="minor">
+              <a:schemeClr val="tx1"/>
+            </a:fontRef>
+          </p:style>
+        </p:cxnSp>
+        <p:sp>
+          <p:nvSpPr>
+            <p:cNvPr id="79" name="TextBox 78"/>
+            <p:cNvSpPr txBox="1"/>
+            <p:nvPr/>
+          </p:nvSpPr>
+          <p:spPr>
+            <a:xfrm>
+              <a:off x="2483768" y="2215897"/>
+              <a:ext cx="864096" cy="276999"/>
+            </a:xfrm>
+            <a:prstGeom prst="rect">
+              <a:avLst/>
+            </a:prstGeom>
+            <a:noFill/>
+          </p:spPr>
+          <p:txBody>
+            <a:bodyPr wrap="square" rtlCol="1">
+              <a:spAutoFit/>
+            </a:bodyPr>
+            <a:lstStyle/>
+            <a:p>
+              <a:r>
+                <a:rPr lang="en-US" sz="1200" dirty="0" err="1" smtClean="0"/>
+                <a:t>Dout</a:t>
+              </a:r>
+              <a:r>
+                <a:rPr lang="en-US" sz="1200" dirty="0" smtClean="0"/>
+                <a:t> valid</a:t>
+              </a:r>
+              <a:endParaRPr lang="he-IL" sz="1200" dirty="0"/>
+            </a:p>
+          </p:txBody>
+        </p:sp>
+        <p:cxnSp>
+          <p:nvCxnSpPr>
+            <p:cNvPr id="80" name="מחבר ישר 79"/>
+            <p:cNvCxnSpPr/>
+            <p:nvPr/>
+          </p:nvCxnSpPr>
+          <p:spPr>
+            <a:xfrm>
+              <a:off x="1187624" y="1988840"/>
+              <a:ext cx="576064" cy="0"/>
+            </a:xfrm>
+            <a:prstGeom prst="line">
+              <a:avLst/>
+            </a:prstGeom>
+            <a:ln w="19050">
+              <a:solidFill>
+                <a:schemeClr val="tx1"/>
+              </a:solidFill>
+              <a:tailEnd type="none"/>
+            </a:ln>
+          </p:spPr>
+          <p:style>
+            <a:lnRef idx="1">
+              <a:schemeClr val="accent1"/>
+            </a:lnRef>
+            <a:fillRef idx="0">
+              <a:schemeClr val="accent1"/>
+            </a:fillRef>
+            <a:effectRef idx="0">
+              <a:schemeClr val="accent1"/>
+            </a:effectRef>
+            <a:fontRef idx="minor">
+              <a:schemeClr val="tx1"/>
+            </a:fontRef>
+          </p:style>
+        </p:cxnSp>
+        <p:cxnSp>
+          <p:nvCxnSpPr>
+            <p:cNvPr id="81" name="מחבר ישר 80"/>
+            <p:cNvCxnSpPr/>
+            <p:nvPr/>
+          </p:nvCxnSpPr>
+          <p:spPr>
+            <a:xfrm>
+              <a:off x="1187624" y="2204864"/>
+              <a:ext cx="576064" cy="0"/>
+            </a:xfrm>
+            <a:prstGeom prst="line">
+              <a:avLst/>
+            </a:prstGeom>
+            <a:ln w="19050">
+              <a:solidFill>
+                <a:schemeClr val="tx1"/>
+              </a:solidFill>
+              <a:tailEnd type="none"/>
+            </a:ln>
+          </p:spPr>
+          <p:style>
+            <a:lnRef idx="1">
+              <a:schemeClr val="accent1"/>
+            </a:lnRef>
+            <a:fillRef idx="0">
+              <a:schemeClr val="accent1"/>
+            </a:fillRef>
+            <a:effectRef idx="0">
+              <a:schemeClr val="accent1"/>
+            </a:effectRef>
+            <a:fontRef idx="minor">
+              <a:schemeClr val="tx1"/>
+            </a:fontRef>
+          </p:style>
+        </p:cxnSp>
+        <p:cxnSp>
+          <p:nvCxnSpPr>
+            <p:cNvPr id="82" name="מחבר ישר 81"/>
+            <p:cNvCxnSpPr/>
+            <p:nvPr/>
+          </p:nvCxnSpPr>
+          <p:spPr>
+            <a:xfrm>
+              <a:off x="1187624" y="2420888"/>
+              <a:ext cx="576064" cy="0"/>
+            </a:xfrm>
+            <a:prstGeom prst="line">
+              <a:avLst/>
+            </a:prstGeom>
+            <a:ln w="19050">
+              <a:solidFill>
+                <a:schemeClr val="tx1"/>
+              </a:solidFill>
+              <a:tailEnd type="none"/>
+            </a:ln>
+          </p:spPr>
+          <p:style>
+            <a:lnRef idx="1">
+              <a:schemeClr val="accent1"/>
+            </a:lnRef>
+            <a:fillRef idx="0">
+              <a:schemeClr val="accent1"/>
+            </a:fillRef>
+            <a:effectRef idx="0">
+              <a:schemeClr val="accent1"/>
+            </a:effectRef>
+            <a:fontRef idx="minor">
+              <a:schemeClr val="tx1"/>
+            </a:fontRef>
+          </p:style>
+        </p:cxnSp>
+        <p:cxnSp>
+          <p:nvCxnSpPr>
+            <p:cNvPr id="83" name="מחבר ישר 82"/>
+            <p:cNvCxnSpPr/>
+            <p:nvPr/>
+          </p:nvCxnSpPr>
+          <p:spPr>
+            <a:xfrm>
+              <a:off x="1187624" y="2636912"/>
+              <a:ext cx="576064" cy="0"/>
+            </a:xfrm>
+            <a:prstGeom prst="line">
+              <a:avLst/>
+            </a:prstGeom>
+            <a:ln w="19050">
+              <a:solidFill>
+                <a:schemeClr val="tx1"/>
+              </a:solidFill>
+              <a:tailEnd type="none"/>
+            </a:ln>
+          </p:spPr>
+          <p:style>
+            <a:lnRef idx="1">
+              <a:schemeClr val="accent1"/>
+            </a:lnRef>
+            <a:fillRef idx="0">
+              <a:schemeClr val="accent1"/>
+            </a:fillRef>
+            <a:effectRef idx="0">
+              <a:schemeClr val="accent1"/>
+            </a:effectRef>
+            <a:fontRef idx="minor">
+              <a:schemeClr val="tx1"/>
+            </a:fontRef>
+          </p:style>
+        </p:cxnSp>
+        <p:sp>
+          <p:nvSpPr>
+            <p:cNvPr id="84" name="TextBox 83"/>
+            <p:cNvSpPr txBox="1"/>
+            <p:nvPr/>
+          </p:nvSpPr>
+          <p:spPr>
+            <a:xfrm>
+              <a:off x="1043608" y="1772816"/>
+              <a:ext cx="720080" cy="276999"/>
+            </a:xfrm>
+            <a:prstGeom prst="rect">
+              <a:avLst/>
+            </a:prstGeom>
+            <a:noFill/>
+          </p:spPr>
+          <p:txBody>
+            <a:bodyPr wrap="square" rtlCol="1">
+              <a:spAutoFit/>
+            </a:bodyPr>
+            <a:lstStyle/>
+            <a:p>
+              <a:r>
+                <a:rPr lang="en-US" sz="1200" dirty="0" smtClean="0"/>
+                <a:t>Data in</a:t>
+              </a:r>
+              <a:endParaRPr lang="he-IL" sz="1200" dirty="0"/>
+            </a:p>
+          </p:txBody>
+        </p:sp>
+        <p:sp>
+          <p:nvSpPr>
+            <p:cNvPr id="85" name="TextBox 84"/>
+            <p:cNvSpPr txBox="1"/>
+            <p:nvPr/>
+          </p:nvSpPr>
+          <p:spPr>
+            <a:xfrm>
+              <a:off x="1043608" y="1944000"/>
+              <a:ext cx="720080" cy="276999"/>
+            </a:xfrm>
+            <a:prstGeom prst="rect">
+              <a:avLst/>
+            </a:prstGeom>
+            <a:noFill/>
+          </p:spPr>
+          <p:txBody>
+            <a:bodyPr wrap="square" rtlCol="1">
+              <a:spAutoFit/>
+            </a:bodyPr>
+            <a:lstStyle/>
+            <a:p>
+              <a:r>
+                <a:rPr lang="en-US" sz="1200" dirty="0" err="1" smtClean="0"/>
+                <a:t>Addr</a:t>
+              </a:r>
+              <a:r>
+                <a:rPr lang="en-US" sz="1200" dirty="0" smtClean="0"/>
+                <a:t> in</a:t>
+              </a:r>
+              <a:endParaRPr lang="he-IL" sz="1200" dirty="0"/>
+            </a:p>
+          </p:txBody>
+        </p:sp>
+        <p:sp>
+          <p:nvSpPr>
+            <p:cNvPr id="86" name="TextBox 85"/>
+            <p:cNvSpPr txBox="1"/>
+            <p:nvPr/>
+          </p:nvSpPr>
+          <p:spPr>
+            <a:xfrm>
+              <a:off x="971600" y="2160000"/>
+              <a:ext cx="792088" cy="276999"/>
+            </a:xfrm>
+            <a:prstGeom prst="rect">
+              <a:avLst/>
+            </a:prstGeom>
+            <a:noFill/>
+          </p:spPr>
+          <p:txBody>
+            <a:bodyPr wrap="square" rtlCol="1">
+              <a:spAutoFit/>
+            </a:bodyPr>
+            <a:lstStyle/>
+            <a:p>
+              <a:r>
+                <a:rPr lang="en-US" sz="1200" dirty="0" err="1" smtClean="0"/>
+                <a:t>Addr</a:t>
+              </a:r>
+              <a:r>
+                <a:rPr lang="en-US" sz="1200" dirty="0" smtClean="0"/>
+                <a:t> out</a:t>
+              </a:r>
+              <a:endParaRPr lang="he-IL" sz="1200" dirty="0"/>
+            </a:p>
+          </p:txBody>
+        </p:sp>
+        <p:sp>
+          <p:nvSpPr>
+            <p:cNvPr id="87" name="TextBox 86"/>
+            <p:cNvSpPr txBox="1"/>
+            <p:nvPr/>
+          </p:nvSpPr>
+          <p:spPr>
+            <a:xfrm>
+              <a:off x="899592" y="2376000"/>
+              <a:ext cx="864096" cy="276999"/>
+            </a:xfrm>
+            <a:prstGeom prst="rect">
+              <a:avLst/>
+            </a:prstGeom>
+            <a:noFill/>
+          </p:spPr>
+          <p:txBody>
+            <a:bodyPr wrap="square" rtlCol="1">
+              <a:spAutoFit/>
+            </a:bodyPr>
+            <a:lstStyle/>
+            <a:p>
+              <a:r>
+                <a:rPr lang="en-US" sz="1200" dirty="0" err="1" smtClean="0"/>
+                <a:t>Aout</a:t>
+              </a:r>
+              <a:r>
+                <a:rPr lang="en-US" sz="1200" dirty="0" smtClean="0"/>
+                <a:t> valid</a:t>
+              </a:r>
+              <a:endParaRPr lang="he-IL" sz="1200" dirty="0"/>
+            </a:p>
+          </p:txBody>
+        </p:sp>
+      </p:grpSp>
+      <p:cxnSp>
+        <p:nvCxnSpPr>
+          <p:cNvPr id="89" name="מחבר ישר 88"/>
+          <p:cNvCxnSpPr/>
+          <p:nvPr/>
+        </p:nvCxnSpPr>
+        <p:spPr>
+          <a:xfrm>
+            <a:off x="971600" y="1844824"/>
+            <a:ext cx="1080120" cy="0"/>
+          </a:xfrm>
+          <a:prstGeom prst="line">
+            <a:avLst/>
+          </a:prstGeom>
+          <a:ln w="19050">
+            <a:solidFill>
+              <a:schemeClr val="tx1"/>
+            </a:solidFill>
+            <a:tailEnd type="none"/>
+          </a:ln>
+        </p:spPr>
+        <p:style>
+          <a:lnRef idx="1">
+            <a:schemeClr val="accent1"/>
+          </a:lnRef>
+          <a:fillRef idx="0">
+            <a:schemeClr val="accent1"/>
+          </a:fillRef>
+          <a:effectRef idx="0">
+            <a:schemeClr val="accent1"/>
+          </a:effectRef>
+          <a:fontRef idx="minor">
+            <a:schemeClr val="tx1"/>
+          </a:fontRef>
+        </p:style>
+      </p:cxnSp>
+      <p:cxnSp>
+        <p:nvCxnSpPr>
+          <p:cNvPr id="91" name="מחבר מרפקי 90"/>
+          <p:cNvCxnSpPr/>
+          <p:nvPr/>
+        </p:nvCxnSpPr>
+        <p:spPr>
+          <a:xfrm>
+            <a:off x="899592" y="1124744"/>
+            <a:ext cx="1152128" cy="432048"/>
+          </a:xfrm>
+          <a:prstGeom prst="bentConnector3">
+            <a:avLst>
+              <a:gd name="adj1" fmla="val 50000"/>
+            </a:avLst>
+          </a:prstGeom>
+          <a:ln w="19050">
+            <a:solidFill>
+              <a:schemeClr val="tx1"/>
+            </a:solidFill>
+            <a:tailEnd type="none"/>
+          </a:ln>
+        </p:spPr>
+        <p:style>
+          <a:lnRef idx="1">
+            <a:schemeClr val="accent1"/>
+          </a:lnRef>
+          <a:fillRef idx="0">
+            <a:schemeClr val="accent1"/>
+          </a:fillRef>
+          <a:effectRef idx="0">
+            <a:schemeClr val="accent1"/>
+          </a:effectRef>
+          <a:fontRef idx="minor">
+            <a:schemeClr val="tx1"/>
+          </a:fontRef>
+        </p:style>
+      </p:cxnSp>
+      <p:cxnSp>
+        <p:nvCxnSpPr>
+          <p:cNvPr id="93" name="מחבר ישר 92"/>
+          <p:cNvCxnSpPr/>
+          <p:nvPr/>
+        </p:nvCxnSpPr>
+        <p:spPr>
+          <a:xfrm>
+            <a:off x="3851920" y="1700808"/>
+            <a:ext cx="1224136" cy="0"/>
+          </a:xfrm>
+          <a:prstGeom prst="line">
+            <a:avLst/>
+          </a:prstGeom>
+          <a:ln w="19050">
+            <a:solidFill>
+              <a:schemeClr val="tx1"/>
+            </a:solidFill>
+            <a:tailEnd type="none"/>
+          </a:ln>
+        </p:spPr>
+        <p:style>
+          <a:lnRef idx="1">
+            <a:schemeClr val="accent1"/>
+          </a:lnRef>
+          <a:fillRef idx="0">
+            <a:schemeClr val="accent1"/>
+          </a:fillRef>
+          <a:effectRef idx="0">
+            <a:schemeClr val="accent1"/>
+          </a:effectRef>
+          <a:fontRef idx="minor">
+            <a:schemeClr val="tx1"/>
+          </a:fontRef>
+        </p:style>
+      </p:cxnSp>
+      <p:cxnSp>
+        <p:nvCxnSpPr>
+          <p:cNvPr id="95" name="מחבר מרפקי 94"/>
+          <p:cNvCxnSpPr/>
+          <p:nvPr/>
+        </p:nvCxnSpPr>
+        <p:spPr>
+          <a:xfrm flipV="1">
+            <a:off x="971600" y="1916832"/>
+            <a:ext cx="4104456" cy="792088"/>
+          </a:xfrm>
+          <a:prstGeom prst="bentConnector3">
+            <a:avLst>
+              <a:gd name="adj1" fmla="val 66878"/>
+            </a:avLst>
+          </a:prstGeom>
+          <a:ln w="19050">
+            <a:solidFill>
+              <a:schemeClr val="tx1"/>
+            </a:solidFill>
+            <a:tailEnd type="none"/>
+          </a:ln>
+        </p:spPr>
+        <p:style>
+          <a:lnRef idx="1">
+            <a:schemeClr val="accent1"/>
+          </a:lnRef>
+          <a:fillRef idx="0">
+            <a:schemeClr val="accent1"/>
+          </a:fillRef>
+          <a:effectRef idx="0">
+            <a:schemeClr val="accent1"/>
+          </a:effectRef>
+          <a:fontRef idx="minor">
+            <a:schemeClr val="tx1"/>
+          </a:fontRef>
+        </p:style>
+      </p:cxnSp>
+      <p:cxnSp>
+        <p:nvCxnSpPr>
+          <p:cNvPr id="113" name="מחבר ישר 112"/>
+          <p:cNvCxnSpPr/>
+          <p:nvPr/>
+        </p:nvCxnSpPr>
+        <p:spPr>
+          <a:xfrm flipV="1">
+            <a:off x="3563888" y="1700808"/>
+            <a:ext cx="0" cy="2088232"/>
+          </a:xfrm>
+          <a:prstGeom prst="line">
+            <a:avLst/>
+          </a:prstGeom>
+          <a:ln w="19050">
+            <a:solidFill>
+              <a:schemeClr val="tx1"/>
+            </a:solidFill>
+            <a:tailEnd type="none"/>
+          </a:ln>
+        </p:spPr>
+        <p:style>
+          <a:lnRef idx="1">
+            <a:schemeClr val="accent1"/>
+          </a:lnRef>
+          <a:fillRef idx="0">
+            <a:schemeClr val="accent1"/>
+          </a:fillRef>
+          <a:effectRef idx="0">
+            <a:schemeClr val="accent1"/>
+          </a:effectRef>
+          <a:fontRef idx="minor">
+            <a:schemeClr val="tx1"/>
+          </a:fontRef>
+        </p:style>
+      </p:cxnSp>
+      <p:cxnSp>
+        <p:nvCxnSpPr>
+          <p:cNvPr id="114" name="מחבר ישר 113"/>
+          <p:cNvCxnSpPr/>
+          <p:nvPr/>
+        </p:nvCxnSpPr>
+        <p:spPr>
+          <a:xfrm>
+            <a:off x="3563888" y="3789040"/>
+            <a:ext cx="1512168" cy="0"/>
+          </a:xfrm>
+          <a:prstGeom prst="line">
+            <a:avLst/>
+          </a:prstGeom>
+          <a:ln w="19050">
+            <a:solidFill>
+              <a:schemeClr val="tx1"/>
+            </a:solidFill>
+            <a:tailEnd type="none"/>
+          </a:ln>
+        </p:spPr>
+        <p:style>
+          <a:lnRef idx="1">
+            <a:schemeClr val="accent1"/>
+          </a:lnRef>
+          <a:fillRef idx="0">
+            <a:schemeClr val="accent1"/>
+          </a:fillRef>
+          <a:effectRef idx="0">
+            <a:schemeClr val="accent1"/>
+          </a:effectRef>
+          <a:fontRef idx="minor">
+            <a:schemeClr val="tx1"/>
+          </a:fontRef>
+        </p:style>
+      </p:cxnSp>
+      <p:cxnSp>
+        <p:nvCxnSpPr>
+          <p:cNvPr id="117" name="מחבר ישר 116"/>
+          <p:cNvCxnSpPr/>
+          <p:nvPr/>
+        </p:nvCxnSpPr>
+        <p:spPr>
+          <a:xfrm flipV="1">
+            <a:off x="3716288" y="1916832"/>
+            <a:ext cx="0" cy="2088232"/>
+          </a:xfrm>
+          <a:prstGeom prst="line">
+            <a:avLst/>
+          </a:prstGeom>
+          <a:ln w="19050">
+            <a:solidFill>
+              <a:schemeClr val="tx1"/>
+            </a:solidFill>
+            <a:tailEnd type="none"/>
+          </a:ln>
+        </p:spPr>
+        <p:style>
+          <a:lnRef idx="1">
+            <a:schemeClr val="accent1"/>
+          </a:lnRef>
+          <a:fillRef idx="0">
+            <a:schemeClr val="accent1"/>
+          </a:fillRef>
+          <a:effectRef idx="0">
+            <a:schemeClr val="accent1"/>
+          </a:effectRef>
+          <a:fontRef idx="minor">
+            <a:schemeClr val="tx1"/>
+          </a:fontRef>
+        </p:style>
+      </p:cxnSp>
+      <p:cxnSp>
+        <p:nvCxnSpPr>
+          <p:cNvPr id="118" name="מחבר ישר 117"/>
+          <p:cNvCxnSpPr/>
+          <p:nvPr/>
+        </p:nvCxnSpPr>
+        <p:spPr>
+          <a:xfrm>
+            <a:off x="3716288" y="4005064"/>
+            <a:ext cx="1512168" cy="0"/>
+          </a:xfrm>
+          <a:prstGeom prst="line">
+            <a:avLst/>
+          </a:prstGeom>
+          <a:ln w="19050">
+            <a:solidFill>
+              <a:schemeClr val="tx1"/>
+            </a:solidFill>
+            <a:tailEnd type="none"/>
+          </a:ln>
+        </p:spPr>
+        <p:style>
+          <a:lnRef idx="1">
+            <a:schemeClr val="accent1"/>
+          </a:lnRef>
+          <a:fillRef idx="0">
+            <a:schemeClr val="accent1"/>
+          </a:fillRef>
+          <a:effectRef idx="0">
+            <a:schemeClr val="accent1"/>
+          </a:effectRef>
+          <a:fontRef idx="minor">
+            <a:schemeClr val="tx1"/>
+          </a:fontRef>
+        </p:style>
+      </p:cxnSp>
+      <p:cxnSp>
+        <p:nvCxnSpPr>
+          <p:cNvPr id="122" name="מחבר מרפקי 121"/>
+          <p:cNvCxnSpPr/>
+          <p:nvPr/>
+        </p:nvCxnSpPr>
+        <p:spPr>
+          <a:xfrm>
+            <a:off x="971600" y="3573016"/>
+            <a:ext cx="4032448" cy="648072"/>
+          </a:xfrm>
+          <a:prstGeom prst="bentConnector3">
+            <a:avLst>
+              <a:gd name="adj1" fmla="val 50000"/>
+            </a:avLst>
+          </a:prstGeom>
+          <a:ln w="19050">
+            <a:solidFill>
+              <a:schemeClr val="tx1"/>
+            </a:solidFill>
+            <a:tailEnd type="none"/>
+          </a:ln>
+        </p:spPr>
+        <p:style>
+          <a:lnRef idx="1">
+            <a:schemeClr val="accent1"/>
+          </a:lnRef>
+          <a:fillRef idx="0">
+            <a:schemeClr val="accent1"/>
+          </a:fillRef>
+          <a:effectRef idx="0">
+            <a:schemeClr val="accent1"/>
+          </a:effectRef>
+          <a:fontRef idx="minor">
+            <a:schemeClr val="tx1"/>
+          </a:fontRef>
+        </p:style>
+      </p:cxnSp>
+      <p:cxnSp>
+        <p:nvCxnSpPr>
+          <p:cNvPr id="124" name="מחבר ישר 123"/>
+          <p:cNvCxnSpPr/>
+          <p:nvPr/>
+        </p:nvCxnSpPr>
+        <p:spPr>
+          <a:xfrm flipV="1">
+            <a:off x="3923928" y="2132856"/>
+            <a:ext cx="0" cy="2088232"/>
+          </a:xfrm>
+          <a:prstGeom prst="line">
+            <a:avLst/>
+          </a:prstGeom>
+          <a:ln w="19050">
+            <a:solidFill>
+              <a:schemeClr val="tx1"/>
+            </a:solidFill>
+            <a:tailEnd type="none"/>
+          </a:ln>
+        </p:spPr>
+        <p:style>
+          <a:lnRef idx="1">
+            <a:schemeClr val="accent1"/>
+          </a:lnRef>
+          <a:fillRef idx="0">
+            <a:schemeClr val="accent1"/>
+          </a:fillRef>
+          <a:effectRef idx="0">
+            <a:schemeClr val="accent1"/>
+          </a:effectRef>
+          <a:fontRef idx="minor">
+            <a:schemeClr val="tx1"/>
+          </a:fontRef>
+        </p:style>
+      </p:cxnSp>
+      <p:cxnSp>
+        <p:nvCxnSpPr>
+          <p:cNvPr id="125" name="מחבר ישר 124"/>
+          <p:cNvCxnSpPr/>
+          <p:nvPr/>
+        </p:nvCxnSpPr>
+        <p:spPr>
+          <a:xfrm>
+            <a:off x="3923928" y="2132856"/>
+            <a:ext cx="1224136" cy="0"/>
+          </a:xfrm>
+          <a:prstGeom prst="line">
+            <a:avLst/>
+          </a:prstGeom>
+          <a:ln w="19050">
+            <a:solidFill>
+              <a:schemeClr val="tx1"/>
+            </a:solidFill>
+            <a:tailEnd type="none"/>
+          </a:ln>
+        </p:spPr>
+        <p:style>
+          <a:lnRef idx="1">
+            <a:schemeClr val="accent1"/>
+          </a:lnRef>
+          <a:fillRef idx="0">
+            <a:schemeClr val="accent1"/>
+          </a:fillRef>
+          <a:effectRef idx="0">
+            <a:schemeClr val="accent1"/>
+          </a:effectRef>
+          <a:fontRef idx="minor">
+            <a:schemeClr val="tx1"/>
+          </a:fontRef>
+        </p:style>
+      </p:cxnSp>
+      <p:cxnSp>
+        <p:nvCxnSpPr>
+          <p:cNvPr id="126" name="מחבר ישר 125"/>
+          <p:cNvCxnSpPr/>
+          <p:nvPr/>
+        </p:nvCxnSpPr>
+        <p:spPr>
+          <a:xfrm>
+            <a:off x="1475656" y="2348880"/>
+            <a:ext cx="3744000" cy="0"/>
+          </a:xfrm>
+          <a:prstGeom prst="line">
+            <a:avLst/>
+          </a:prstGeom>
+          <a:ln w="19050">
+            <a:solidFill>
+              <a:schemeClr val="tx1"/>
+            </a:solidFill>
+            <a:tailEnd type="none"/>
+          </a:ln>
+        </p:spPr>
+        <p:style>
+          <a:lnRef idx="1">
+            <a:schemeClr val="accent1"/>
+          </a:lnRef>
+          <a:fillRef idx="0">
+            <a:schemeClr val="accent1"/>
+          </a:fillRef>
+          <a:effectRef idx="0">
+            <a:schemeClr val="accent1"/>
+          </a:effectRef>
+          <a:fontRef idx="minor">
+            <a:schemeClr val="tx1"/>
+          </a:fontRef>
+        </p:style>
+      </p:cxnSp>
+      <p:cxnSp>
+        <p:nvCxnSpPr>
+          <p:cNvPr id="127" name="מחבר ישר 126"/>
+          <p:cNvCxnSpPr/>
+          <p:nvPr/>
+        </p:nvCxnSpPr>
+        <p:spPr>
+          <a:xfrm flipV="1">
+            <a:off x="1475656" y="1556912"/>
+            <a:ext cx="0" cy="792000"/>
+          </a:xfrm>
+          <a:prstGeom prst="line">
+            <a:avLst/>
+          </a:prstGeom>
+          <a:ln w="19050">
+            <a:solidFill>
+              <a:schemeClr val="tx1"/>
+            </a:solidFill>
+            <a:tailEnd type="none"/>
+          </a:ln>
+        </p:spPr>
+        <p:style>
+          <a:lnRef idx="1">
+            <a:schemeClr val="accent1"/>
+          </a:lnRef>
+          <a:fillRef idx="0">
+            <a:schemeClr val="accent1"/>
+          </a:fillRef>
+          <a:effectRef idx="0">
+            <a:schemeClr val="accent1"/>
+          </a:effectRef>
+          <a:fontRef idx="minor">
+            <a:schemeClr val="tx1"/>
+          </a:fontRef>
+        </p:style>
+      </p:cxnSp>
+      <p:cxnSp>
+        <p:nvCxnSpPr>
+          <p:cNvPr id="129" name="מחבר ישר 128"/>
+          <p:cNvCxnSpPr/>
+          <p:nvPr/>
+        </p:nvCxnSpPr>
+        <p:spPr>
+          <a:xfrm>
+            <a:off x="4067944" y="4437112"/>
+            <a:ext cx="1512168" cy="0"/>
+          </a:xfrm>
+          <a:prstGeom prst="line">
+            <a:avLst/>
+          </a:prstGeom>
+          <a:ln w="19050">
+            <a:solidFill>
+              <a:schemeClr val="tx1"/>
+            </a:solidFill>
+            <a:tailEnd type="none"/>
+          </a:ln>
+        </p:spPr>
+        <p:style>
+          <a:lnRef idx="1">
+            <a:schemeClr val="accent1"/>
+          </a:lnRef>
+          <a:fillRef idx="0">
+            <a:schemeClr val="accent1"/>
+          </a:fillRef>
+          <a:effectRef idx="0">
+            <a:schemeClr val="accent1"/>
+          </a:effectRef>
+          <a:fontRef idx="minor">
+            <a:schemeClr val="tx1"/>
+          </a:fontRef>
+        </p:style>
+      </p:cxnSp>
+      <p:cxnSp>
+        <p:nvCxnSpPr>
+          <p:cNvPr id="130" name="מחבר ישר 129"/>
+          <p:cNvCxnSpPr/>
+          <p:nvPr/>
+        </p:nvCxnSpPr>
+        <p:spPr>
+          <a:xfrm flipV="1">
+            <a:off x="4076328" y="2348880"/>
+            <a:ext cx="0" cy="2088232"/>
+          </a:xfrm>
+          <a:prstGeom prst="line">
+            <a:avLst/>
+          </a:prstGeom>
+          <a:ln w="19050">
+            <a:solidFill>
+              <a:schemeClr val="tx1"/>
+            </a:solidFill>
+            <a:tailEnd type="none"/>
+          </a:ln>
+        </p:spPr>
+        <p:style>
+          <a:lnRef idx="1">
+            <a:schemeClr val="accent1"/>
+          </a:lnRef>
+          <a:fillRef idx="0">
+            <a:schemeClr val="accent1"/>
+          </a:fillRef>
+          <a:effectRef idx="0">
+            <a:schemeClr val="accent1"/>
+          </a:effectRef>
+          <a:fontRef idx="minor">
+            <a:schemeClr val="tx1"/>
+          </a:fontRef>
+        </p:style>
+      </p:cxnSp>
+      <p:cxnSp>
+        <p:nvCxnSpPr>
+          <p:cNvPr id="133" name="מחבר ישר 132"/>
+          <p:cNvCxnSpPr/>
+          <p:nvPr/>
+        </p:nvCxnSpPr>
+        <p:spPr>
+          <a:xfrm>
+            <a:off x="971600" y="4653136"/>
+            <a:ext cx="4068000" cy="0"/>
+          </a:xfrm>
+          <a:prstGeom prst="line">
+            <a:avLst/>
+          </a:prstGeom>
+          <a:ln w="19050">
+            <a:solidFill>
+              <a:schemeClr val="tx1"/>
+            </a:solidFill>
+            <a:tailEnd type="none"/>
+          </a:ln>
+        </p:spPr>
+        <p:style>
+          <a:lnRef idx="1">
+            <a:schemeClr val="accent1"/>
+          </a:lnRef>
+          <a:fillRef idx="0">
+            <a:schemeClr val="accent1"/>
+          </a:fillRef>
+          <a:effectRef idx="0">
+            <a:schemeClr val="accent1"/>
+          </a:effectRef>
+          <a:fontRef idx="minor">
+            <a:schemeClr val="tx1"/>
+          </a:fontRef>
+        </p:style>
+      </p:cxnSp>
+      <p:cxnSp>
+        <p:nvCxnSpPr>
+          <p:cNvPr id="134" name="מחבר ישר 133"/>
+          <p:cNvCxnSpPr/>
+          <p:nvPr/>
+        </p:nvCxnSpPr>
+        <p:spPr>
+          <a:xfrm flipV="1">
+            <a:off x="4228728" y="2564904"/>
+            <a:ext cx="0" cy="2088232"/>
+          </a:xfrm>
+          <a:prstGeom prst="line">
+            <a:avLst/>
+          </a:prstGeom>
+          <a:ln w="19050">
+            <a:solidFill>
+              <a:schemeClr val="tx1"/>
+            </a:solidFill>
+            <a:tailEnd type="none"/>
+          </a:ln>
+        </p:spPr>
+        <p:style>
+          <a:lnRef idx="1">
+            <a:schemeClr val="accent1"/>
+          </a:lnRef>
+          <a:fillRef idx="0">
+            <a:schemeClr val="accent1"/>
+          </a:fillRef>
+          <a:effectRef idx="0">
+            <a:schemeClr val="accent1"/>
+          </a:effectRef>
+          <a:fontRef idx="minor">
+            <a:schemeClr val="tx1"/>
+          </a:fontRef>
+        </p:style>
+      </p:cxnSp>
+      <p:cxnSp>
+        <p:nvCxnSpPr>
+          <p:cNvPr id="135" name="מחבר ישר 134"/>
+          <p:cNvCxnSpPr/>
+          <p:nvPr/>
+        </p:nvCxnSpPr>
+        <p:spPr>
+          <a:xfrm>
+            <a:off x="4230000" y="2564904"/>
+            <a:ext cx="1224136" cy="0"/>
+          </a:xfrm>
+          <a:prstGeom prst="line">
+            <a:avLst/>
+          </a:prstGeom>
+          <a:ln w="19050">
+            <a:solidFill>
+              <a:schemeClr val="tx1"/>
+            </a:solidFill>
+            <a:tailEnd type="none"/>
+          </a:ln>
+        </p:spPr>
+        <p:style>
+          <a:lnRef idx="1">
+            <a:schemeClr val="accent1"/>
+          </a:lnRef>
+          <a:fillRef idx="0">
+            <a:schemeClr val="accent1"/>
+          </a:fillRef>
+          <a:effectRef idx="0">
+            <a:schemeClr val="accent1"/>
+          </a:effectRef>
+          <a:fontRef idx="minor">
+            <a:schemeClr val="tx1"/>
+          </a:fontRef>
+        </p:style>
+      </p:cxnSp>
+      <p:cxnSp>
+        <p:nvCxnSpPr>
+          <p:cNvPr id="137" name="מחבר מרפקי 136"/>
+          <p:cNvCxnSpPr/>
+          <p:nvPr/>
+        </p:nvCxnSpPr>
+        <p:spPr>
+          <a:xfrm flipV="1">
+            <a:off x="971600" y="4869160"/>
+            <a:ext cx="4032448" cy="936104"/>
+          </a:xfrm>
+          <a:prstGeom prst="bentConnector3">
+            <a:avLst>
+              <a:gd name="adj1" fmla="val 84587"/>
+            </a:avLst>
+          </a:prstGeom>
+          <a:ln w="19050">
+            <a:solidFill>
+              <a:schemeClr val="tx1"/>
+            </a:solidFill>
+            <a:tailEnd type="none"/>
+          </a:ln>
+        </p:spPr>
+        <p:style>
+          <a:lnRef idx="1">
+            <a:schemeClr val="accent1"/>
+          </a:lnRef>
+          <a:fillRef idx="0">
+            <a:schemeClr val="accent1"/>
+          </a:fillRef>
+          <a:effectRef idx="0">
+            <a:schemeClr val="accent1"/>
+          </a:effectRef>
+          <a:fontRef idx="minor">
+            <a:schemeClr val="tx1"/>
+          </a:fontRef>
+        </p:style>
+      </p:cxnSp>
+      <p:cxnSp>
+        <p:nvCxnSpPr>
+          <p:cNvPr id="139" name="מחבר ישר 138"/>
+          <p:cNvCxnSpPr/>
+          <p:nvPr/>
+        </p:nvCxnSpPr>
+        <p:spPr>
+          <a:xfrm flipV="1">
+            <a:off x="4381128" y="2780928"/>
+            <a:ext cx="0" cy="2088232"/>
+          </a:xfrm>
+          <a:prstGeom prst="line">
+            <a:avLst/>
+          </a:prstGeom>
+          <a:ln w="19050">
+            <a:solidFill>
+              <a:schemeClr val="tx1"/>
+            </a:solidFill>
+            <a:tailEnd type="none"/>
+          </a:ln>
+        </p:spPr>
+        <p:style>
+          <a:lnRef idx="1">
+            <a:schemeClr val="accent1"/>
+          </a:lnRef>
+          <a:fillRef idx="0">
+            <a:schemeClr val="accent1"/>
+          </a:fillRef>
+          <a:effectRef idx="0">
+            <a:schemeClr val="accent1"/>
+          </a:effectRef>
+          <a:fontRef idx="minor">
+            <a:schemeClr val="tx1"/>
+          </a:fontRef>
+        </p:style>
+      </p:cxnSp>
+      <p:cxnSp>
+        <p:nvCxnSpPr>
+          <p:cNvPr id="140" name="מחבר ישר 139"/>
+          <p:cNvCxnSpPr/>
+          <p:nvPr/>
+        </p:nvCxnSpPr>
+        <p:spPr>
+          <a:xfrm>
+            <a:off x="4382400" y="2780928"/>
+            <a:ext cx="1116000" cy="0"/>
+          </a:xfrm>
+          <a:prstGeom prst="line">
+            <a:avLst/>
+          </a:prstGeom>
+          <a:ln w="19050">
+            <a:solidFill>
+              <a:schemeClr val="tx1"/>
+            </a:solidFill>
+            <a:tailEnd type="none"/>
+          </a:ln>
+        </p:spPr>
+        <p:style>
+          <a:lnRef idx="1">
+            <a:schemeClr val="accent1"/>
+          </a:lnRef>
+          <a:fillRef idx="0">
+            <a:schemeClr val="accent1"/>
+          </a:fillRef>
+          <a:effectRef idx="0">
+            <a:schemeClr val="accent1"/>
+          </a:effectRef>
+          <a:fontRef idx="minor">
+            <a:schemeClr val="tx1"/>
+          </a:fontRef>
+        </p:style>
+      </p:cxnSp>
+      <p:cxnSp>
+        <p:nvCxnSpPr>
+          <p:cNvPr id="141" name="Straight Arrow Connector 114"/>
+          <p:cNvCxnSpPr/>
+          <p:nvPr/>
+        </p:nvCxnSpPr>
+        <p:spPr>
+          <a:xfrm>
+            <a:off x="8316416" y="2638800"/>
+            <a:ext cx="612576" cy="1588"/>
+          </a:xfrm>
+          <a:prstGeom prst="straightConnector1">
+            <a:avLst/>
+          </a:prstGeom>
+          <a:ln w="19050">
+            <a:solidFill>
+              <a:schemeClr val="tx1"/>
+            </a:solidFill>
+            <a:tailEnd type="arrow"/>
+          </a:ln>
+        </p:spPr>
+        <p:style>
+          <a:lnRef idx="1">
+            <a:schemeClr val="accent1"/>
+          </a:lnRef>
+          <a:fillRef idx="0">
+            <a:schemeClr val="accent1"/>
+          </a:fillRef>
+          <a:effectRef idx="0">
+            <a:schemeClr val="accent1"/>
+          </a:effectRef>
+          <a:fontRef idx="minor">
+            <a:schemeClr val="tx1"/>
+          </a:fontRef>
+        </p:style>
+      </p:cxnSp>
+      <p:cxnSp>
+        <p:nvCxnSpPr>
+          <p:cNvPr id="142" name="Straight Arrow Connector 114"/>
+          <p:cNvCxnSpPr/>
+          <p:nvPr/>
+        </p:nvCxnSpPr>
+        <p:spPr>
+          <a:xfrm>
+            <a:off x="8316416" y="3501008"/>
+            <a:ext cx="612576" cy="1588"/>
+          </a:xfrm>
+          <a:prstGeom prst="straightConnector1">
+            <a:avLst/>
+          </a:prstGeom>
+          <a:ln w="19050">
+            <a:solidFill>
+              <a:schemeClr val="tx1"/>
+            </a:solidFill>
+            <a:tailEnd type="arrow"/>
+          </a:ln>
+        </p:spPr>
+        <p:style>
+          <a:lnRef idx="1">
+            <a:schemeClr val="accent1"/>
+          </a:lnRef>
+          <a:fillRef idx="0">
+            <a:schemeClr val="accent1"/>
+          </a:fillRef>
+          <a:effectRef idx="0">
+            <a:schemeClr val="accent1"/>
+          </a:effectRef>
+          <a:fontRef idx="minor">
+            <a:schemeClr val="tx1"/>
+          </a:fontRef>
+        </p:style>
+      </p:cxnSp>
+      <p:sp>
+        <p:nvSpPr>
+          <p:cNvPr id="143" name="TextBox 142"/>
+          <p:cNvSpPr txBox="1"/>
+          <p:nvPr/>
+        </p:nvSpPr>
+        <p:spPr>
+          <a:xfrm>
+            <a:off x="8244408" y="3212976"/>
+            <a:ext cx="792088" cy="276999"/>
+          </a:xfrm>
+          <a:prstGeom prst="rect">
+            <a:avLst/>
+          </a:prstGeom>
+          <a:noFill/>
+        </p:spPr>
+        <p:txBody>
+          <a:bodyPr wrap="square" rtlCol="1">
+            <a:spAutoFit/>
+          </a:bodyPr>
+          <a:lstStyle/>
+          <a:p>
+            <a:pPr algn="ctr"/>
+            <a:r>
+              <a:rPr lang="en-US" sz="1200" dirty="0" smtClean="0"/>
+              <a:t>Out valid</a:t>
+            </a:r>
+            <a:endParaRPr lang="he-IL" sz="1200" dirty="0"/>
+          </a:p>
+        </p:txBody>
+      </p:sp>
+      <p:sp>
+        <p:nvSpPr>
+          <p:cNvPr id="144" name="TextBox 143"/>
+          <p:cNvSpPr txBox="1"/>
+          <p:nvPr/>
+        </p:nvSpPr>
+        <p:spPr>
+          <a:xfrm>
+            <a:off x="8244408" y="2287905"/>
+            <a:ext cx="792088" cy="276999"/>
+          </a:xfrm>
+          <a:prstGeom prst="rect">
+            <a:avLst/>
+          </a:prstGeom>
+          <a:noFill/>
+        </p:spPr>
+        <p:txBody>
+          <a:bodyPr wrap="square" rtlCol="1">
+            <a:spAutoFit/>
+          </a:bodyPr>
+          <a:lstStyle/>
+          <a:p>
+            <a:pPr algn="ctr"/>
+            <a:r>
+              <a:rPr lang="en-US" sz="1200" dirty="0" smtClean="0"/>
+              <a:t>Data out</a:t>
+            </a:r>
+            <a:endParaRPr lang="he-IL" sz="1200" dirty="0"/>
+          </a:p>
+        </p:txBody>
+      </p:sp>
+      <p:cxnSp>
+        <p:nvCxnSpPr>
+          <p:cNvPr id="146" name="מחבר מרפקי 145"/>
+          <p:cNvCxnSpPr/>
+          <p:nvPr/>
+        </p:nvCxnSpPr>
+        <p:spPr>
+          <a:xfrm>
+            <a:off x="6948264" y="1916832"/>
+            <a:ext cx="1440160" cy="720080"/>
+          </a:xfrm>
+          <a:prstGeom prst="bentConnector3">
+            <a:avLst>
+              <a:gd name="adj1" fmla="val 50000"/>
+            </a:avLst>
+          </a:prstGeom>
+          <a:ln w="19050">
+            <a:solidFill>
+              <a:schemeClr val="tx1"/>
+            </a:solidFill>
+            <a:tailEnd type="none"/>
+          </a:ln>
+        </p:spPr>
+        <p:style>
+          <a:lnRef idx="1">
+            <a:schemeClr val="accent1"/>
+          </a:lnRef>
+          <a:fillRef idx="0">
+            <a:schemeClr val="accent1"/>
+          </a:fillRef>
+          <a:effectRef idx="0">
+            <a:schemeClr val="accent1"/>
+          </a:effectRef>
+          <a:fontRef idx="minor">
+            <a:schemeClr val="tx1"/>
+          </a:fontRef>
+        </p:style>
+      </p:cxnSp>
+      <p:cxnSp>
+        <p:nvCxnSpPr>
+          <p:cNvPr id="162" name="מחבר ישר 161"/>
+          <p:cNvCxnSpPr/>
+          <p:nvPr/>
+        </p:nvCxnSpPr>
+        <p:spPr>
+          <a:xfrm>
+            <a:off x="6552344" y="4005064"/>
+            <a:ext cx="1116000" cy="0"/>
+          </a:xfrm>
+          <a:prstGeom prst="line">
+            <a:avLst/>
+          </a:prstGeom>
+          <a:ln w="19050">
+            <a:solidFill>
+              <a:schemeClr val="tx1"/>
+            </a:solidFill>
+            <a:tailEnd type="none"/>
+          </a:ln>
+        </p:spPr>
+        <p:style>
+          <a:lnRef idx="1">
+            <a:schemeClr val="accent1"/>
+          </a:lnRef>
+          <a:fillRef idx="0">
+            <a:schemeClr val="accent1"/>
+          </a:fillRef>
+          <a:effectRef idx="0">
+            <a:schemeClr val="accent1"/>
+          </a:effectRef>
+          <a:fontRef idx="minor">
+            <a:schemeClr val="tx1"/>
+          </a:fontRef>
+        </p:style>
+      </p:cxnSp>
+      <p:cxnSp>
+        <p:nvCxnSpPr>
+          <p:cNvPr id="163" name="מחבר ישר 162"/>
+          <p:cNvCxnSpPr/>
+          <p:nvPr/>
+        </p:nvCxnSpPr>
+        <p:spPr>
+          <a:xfrm flipV="1">
+            <a:off x="7668344" y="1916832"/>
+            <a:ext cx="0" cy="2088232"/>
+          </a:xfrm>
+          <a:prstGeom prst="line">
+            <a:avLst/>
+          </a:prstGeom>
+          <a:ln w="19050">
+            <a:solidFill>
+              <a:schemeClr val="tx1"/>
+            </a:solidFill>
+            <a:tailEnd type="none"/>
+          </a:ln>
+        </p:spPr>
+        <p:style>
+          <a:lnRef idx="1">
+            <a:schemeClr val="accent1"/>
+          </a:lnRef>
+          <a:fillRef idx="0">
+            <a:schemeClr val="accent1"/>
+          </a:fillRef>
+          <a:effectRef idx="0">
+            <a:schemeClr val="accent1"/>
+          </a:effectRef>
+          <a:fontRef idx="minor">
+            <a:schemeClr val="tx1"/>
+          </a:fontRef>
+        </p:style>
+      </p:cxnSp>
+      <p:cxnSp>
+        <p:nvCxnSpPr>
+          <p:cNvPr id="167" name="מחבר ישר 166"/>
+          <p:cNvCxnSpPr/>
+          <p:nvPr/>
+        </p:nvCxnSpPr>
+        <p:spPr>
+          <a:xfrm>
+            <a:off x="6444296" y="2636912"/>
+            <a:ext cx="792000" cy="0"/>
+          </a:xfrm>
+          <a:prstGeom prst="line">
+            <a:avLst/>
+          </a:prstGeom>
+          <a:ln w="19050">
+            <a:solidFill>
+              <a:schemeClr val="tx1"/>
+            </a:solidFill>
+            <a:tailEnd type="none"/>
+          </a:ln>
+        </p:spPr>
+        <p:style>
+          <a:lnRef idx="1">
+            <a:schemeClr val="accent1"/>
+          </a:lnRef>
+          <a:fillRef idx="0">
+            <a:schemeClr val="accent1"/>
+          </a:fillRef>
+          <a:effectRef idx="0">
+            <a:schemeClr val="accent1"/>
+          </a:effectRef>
+          <a:fontRef idx="minor">
+            <a:schemeClr val="tx1"/>
+          </a:fontRef>
+        </p:style>
+      </p:cxnSp>
+      <p:cxnSp>
+        <p:nvCxnSpPr>
+          <p:cNvPr id="168" name="מחבר ישר 167"/>
+          <p:cNvCxnSpPr/>
+          <p:nvPr/>
+        </p:nvCxnSpPr>
+        <p:spPr>
+          <a:xfrm>
+            <a:off x="6444296" y="4725144"/>
+            <a:ext cx="792000" cy="0"/>
+          </a:xfrm>
+          <a:prstGeom prst="line">
+            <a:avLst/>
+          </a:prstGeom>
+          <a:ln w="19050">
+            <a:solidFill>
+              <a:schemeClr val="tx1"/>
+            </a:solidFill>
+            <a:tailEnd type="none"/>
+          </a:ln>
+        </p:spPr>
+        <p:style>
+          <a:lnRef idx="1">
+            <a:schemeClr val="accent1"/>
+          </a:lnRef>
+          <a:fillRef idx="0">
+            <a:schemeClr val="accent1"/>
+          </a:fillRef>
+          <a:effectRef idx="0">
+            <a:schemeClr val="accent1"/>
+          </a:effectRef>
+          <a:fontRef idx="minor">
+            <a:schemeClr val="tx1"/>
+          </a:fontRef>
+        </p:style>
+      </p:cxnSp>
+      <p:cxnSp>
+        <p:nvCxnSpPr>
+          <p:cNvPr id="169" name="מחבר ישר 168"/>
+          <p:cNvCxnSpPr/>
+          <p:nvPr/>
+        </p:nvCxnSpPr>
+        <p:spPr>
+          <a:xfrm flipV="1">
+            <a:off x="7236296" y="2636912"/>
+            <a:ext cx="0" cy="2088232"/>
+          </a:xfrm>
+          <a:prstGeom prst="line">
+            <a:avLst/>
+          </a:prstGeom>
+          <a:ln w="19050">
+            <a:solidFill>
+              <a:schemeClr val="tx1"/>
+            </a:solidFill>
+            <a:tailEnd type="none"/>
+          </a:ln>
+        </p:spPr>
+        <p:style>
+          <a:lnRef idx="1">
+            <a:schemeClr val="accent1"/>
+          </a:lnRef>
+          <a:fillRef idx="0">
+            <a:schemeClr val="accent1"/>
+          </a:fillRef>
+          <a:effectRef idx="0">
+            <a:schemeClr val="accent1"/>
+          </a:effectRef>
+          <a:fontRef idx="minor">
+            <a:schemeClr val="tx1"/>
+          </a:fontRef>
+        </p:style>
+      </p:cxnSp>
+      <p:cxnSp>
+        <p:nvCxnSpPr>
+          <p:cNvPr id="170" name="מחבר ישר 169"/>
+          <p:cNvCxnSpPr/>
+          <p:nvPr/>
+        </p:nvCxnSpPr>
+        <p:spPr>
+          <a:xfrm>
+            <a:off x="7236296" y="3501008"/>
+            <a:ext cx="1080000" cy="0"/>
+          </a:xfrm>
+          <a:prstGeom prst="line">
+            <a:avLst/>
+          </a:prstGeom>
+          <a:ln w="19050">
+            <a:solidFill>
+              <a:schemeClr val="tx1"/>
+            </a:solidFill>
+            <a:tailEnd type="none"/>
+          </a:ln>
+        </p:spPr>
+        <p:style>
+          <a:lnRef idx="1">
+            <a:schemeClr val="accent1"/>
+          </a:lnRef>
+          <a:fillRef idx="0">
+            <a:schemeClr val="accent1"/>
+          </a:fillRef>
+          <a:effectRef idx="0">
+            <a:schemeClr val="accent1"/>
+          </a:effectRef>
+          <a:fontRef idx="minor">
+            <a:schemeClr val="tx1"/>
+          </a:fontRef>
+        </p:style>
+      </p:cxnSp>
     </p:spTree>
   </p:cSld>
   <p:clrMapOvr>
@@ -12626,7 +15065,7 @@
         </p:nvGrpSpPr>
         <p:grpSpPr>
           <a:xfrm>
-            <a:off x="142844" y="785794"/>
+            <a:off x="142844" y="764704"/>
             <a:ext cx="642942" cy="287340"/>
             <a:chOff x="142844" y="857232"/>
             <a:chExt cx="642942" cy="287340"/>
@@ -13670,7 +16109,7 @@
         </p:nvCxnSpPr>
         <p:spPr>
           <a:xfrm>
-            <a:off x="785786" y="1071546"/>
+            <a:off x="785786" y="1052736"/>
             <a:ext cx="357190" cy="1588"/>
           </a:xfrm>
           <a:prstGeom prst="line">
@@ -13706,44 +16145,8 @@
         </p:nvCxnSpPr>
         <p:spPr>
           <a:xfrm rot="5400000">
-            <a:off x="-1428792" y="3643314"/>
+            <a:off x="-1428792" y="3623710"/>
             <a:ext cx="5143536" cy="1588"/>
-          </a:xfrm>
-          <a:prstGeom prst="line">
-            <a:avLst/>
-          </a:prstGeom>
-          <a:ln w="19050">
-            <a:solidFill>
-              <a:schemeClr val="tx1"/>
-            </a:solidFill>
-            <a:tailEnd type="none"/>
-          </a:ln>
-        </p:spPr>
-        <p:style>
-          <a:lnRef idx="1">
-            <a:schemeClr val="accent1"/>
-          </a:lnRef>
-          <a:fillRef idx="0">
-            <a:schemeClr val="accent1"/>
-          </a:fillRef>
-          <a:effectRef idx="0">
-            <a:schemeClr val="accent1"/>
-          </a:effectRef>
-          <a:fontRef idx="minor">
-            <a:schemeClr val="tx1"/>
-          </a:fontRef>
-        </p:style>
-      </p:cxnSp>
-      <p:cxnSp>
-        <p:nvCxnSpPr>
-          <p:cNvPr id="124" name="מחבר ישר 123"/>
-          <p:cNvCxnSpPr/>
-          <p:nvPr/>
-        </p:nvCxnSpPr>
-        <p:spPr>
-          <a:xfrm flipV="1">
-            <a:off x="1142976" y="6193588"/>
-            <a:ext cx="2428892" cy="21494"/>
           </a:xfrm>
           <a:prstGeom prst="line">
             <a:avLst/>
@@ -14292,6 +16695,42 @@
           </p:txBody>
         </p:sp>
       </p:grpSp>
+      <p:cxnSp>
+        <p:nvCxnSpPr>
+          <p:cNvPr id="86" name="מחבר ישר 85"/>
+          <p:cNvCxnSpPr/>
+          <p:nvPr/>
+        </p:nvCxnSpPr>
+        <p:spPr>
+          <a:xfrm>
+            <a:off x="1143546" y="6192000"/>
+            <a:ext cx="2376000" cy="1588"/>
+          </a:xfrm>
+          <a:prstGeom prst="line">
+            <a:avLst/>
+          </a:prstGeom>
+          <a:ln w="19050">
+            <a:solidFill>
+              <a:schemeClr val="tx1"/>
+            </a:solidFill>
+            <a:tailEnd type="none"/>
+          </a:ln>
+        </p:spPr>
+        <p:style>
+          <a:lnRef idx="1">
+            <a:schemeClr val="accent1"/>
+          </a:lnRef>
+          <a:fillRef idx="0">
+            <a:schemeClr val="accent1"/>
+          </a:fillRef>
+          <a:effectRef idx="0">
+            <a:schemeClr val="accent1"/>
+          </a:effectRef>
+          <a:fontRef idx="minor">
+            <a:schemeClr val="tx1"/>
+          </a:fontRef>
+        </p:style>
+      </p:cxnSp>
     </p:spTree>
   </p:cSld>
   <p:clrMapOvr>
@@ -14325,7 +16764,7 @@
         </p:nvSpPr>
         <p:spPr>
           <a:xfrm>
-            <a:off x="928662" y="214290"/>
+            <a:off x="899592" y="188640"/>
             <a:ext cx="7215238" cy="6429420"/>
           </a:xfrm>
           <a:prstGeom prst="rect">
@@ -14614,7 +17053,7 @@
         </p:nvGrpSpPr>
         <p:grpSpPr>
           <a:xfrm>
-            <a:off x="142844" y="3038773"/>
+            <a:off x="142844" y="3068960"/>
             <a:ext cx="785818" cy="461665"/>
             <a:chOff x="-32" y="714356"/>
             <a:chExt cx="785818" cy="461665"/>
@@ -14792,7 +17231,7 @@
         </p:nvGrpSpPr>
         <p:grpSpPr>
           <a:xfrm>
-            <a:off x="214282" y="3861048"/>
+            <a:off x="214282" y="3501008"/>
             <a:ext cx="714380" cy="461665"/>
             <a:chOff x="71406" y="714356"/>
             <a:chExt cx="714380" cy="461665"/>
@@ -15977,7 +18416,7 @@
             <a:solidFill>
               <a:schemeClr val="tx1"/>
             </a:solidFill>
-            <a:tailEnd type="none"/>
+            <a:tailEnd type="arrow"/>
           </a:ln>
         </p:spPr>
         <p:style>
@@ -16013,7 +18452,7 @@
             <a:solidFill>
               <a:schemeClr val="tx1"/>
             </a:solidFill>
-            <a:tailEnd type="none"/>
+            <a:tailEnd type="arrow"/>
           </a:ln>
         </p:spPr>
         <p:style>
@@ -16049,7 +18488,7 @@
             <a:solidFill>
               <a:schemeClr val="tx1"/>
             </a:solidFill>
-            <a:tailEnd type="none"/>
+            <a:tailEnd type="arrow"/>
           </a:ln>
         </p:spPr>
         <p:style>
@@ -16075,7 +18514,7 @@
         </p:nvCxnSpPr>
         <p:spPr>
           <a:xfrm rot="10800000" flipH="1">
-            <a:off x="946116" y="3474000"/>
+            <a:off x="946116" y="3499419"/>
             <a:ext cx="2340000" cy="1588"/>
           </a:xfrm>
           <a:prstGeom prst="line">
@@ -16121,7 +18560,7 @@
             <a:solidFill>
               <a:schemeClr val="tx1"/>
             </a:solidFill>
-            <a:tailEnd type="none"/>
+            <a:tailEnd type="arrow"/>
           </a:ln>
         </p:spPr>
         <p:style>
@@ -16183,7 +18622,7 @@
         </p:nvGrpSpPr>
         <p:grpSpPr>
           <a:xfrm>
-            <a:off x="4286248" y="5000636"/>
+            <a:off x="4289668" y="5000636"/>
             <a:ext cx="714380" cy="571504"/>
             <a:chOff x="3214678" y="3143248"/>
             <a:chExt cx="714380" cy="571504"/>
@@ -16274,47 +18713,6 @@
           </a:xfrm>
           <a:prstGeom prst="straightConnector1">
             <a:avLst/>
-          </a:prstGeom>
-          <a:ln w="19050">
-            <a:solidFill>
-              <a:schemeClr val="tx1"/>
-            </a:solidFill>
-            <a:tailEnd type="arrow"/>
-          </a:ln>
-        </p:spPr>
-        <p:style>
-          <a:lnRef idx="1">
-            <a:schemeClr val="accent1"/>
-          </a:lnRef>
-          <a:fillRef idx="0">
-            <a:schemeClr val="accent1"/>
-          </a:fillRef>
-          <a:effectRef idx="0">
-            <a:schemeClr val="accent1"/>
-          </a:effectRef>
-          <a:fontRef idx="minor">
-            <a:schemeClr val="tx1"/>
-          </a:fontRef>
-        </p:style>
-      </p:cxnSp>
-      <p:cxnSp>
-        <p:nvCxnSpPr>
-          <p:cNvPr id="154" name="מחבר מרפקי 153"/>
-          <p:cNvCxnSpPr>
-            <a:stCxn id="53" idx="2"/>
-            <a:endCxn id="149" idx="0"/>
-          </p:cNvCxnSpPr>
-          <p:nvPr/>
-        </p:nvCxnSpPr>
-        <p:spPr>
-          <a:xfrm rot="5400000">
-            <a:off x="3853697" y="3922592"/>
-            <a:ext cx="1857388" cy="298700"/>
-          </a:xfrm>
-          <a:prstGeom prst="bentConnector3">
-            <a:avLst>
-              <a:gd name="adj1" fmla="val 50000"/>
-            </a:avLst>
           </a:prstGeom>
           <a:ln w="19050">
             <a:solidFill>
@@ -16581,8 +18979,8 @@
         </p:nvCxnSpPr>
         <p:spPr>
           <a:xfrm rot="5400000" flipH="1" flipV="1">
-            <a:off x="5072066" y="3929066"/>
-            <a:ext cx="714380" cy="1588"/>
+            <a:off x="5249256" y="3751876"/>
+            <a:ext cx="360000" cy="1588"/>
           </a:xfrm>
           <a:prstGeom prst="bentConnector3">
             <a:avLst>
@@ -16798,7 +19196,7 @@
         </p:nvCxnSpPr>
         <p:spPr>
           <a:xfrm>
-            <a:off x="971832" y="4291508"/>
+            <a:off x="971832" y="3931468"/>
             <a:ext cx="4464000" cy="1588"/>
           </a:xfrm>
           <a:prstGeom prst="line">
@@ -16900,6 +19298,216 @@
           </a:fontRef>
         </p:style>
       </p:cxnSp>
+      <p:cxnSp>
+        <p:nvCxnSpPr>
+          <p:cNvPr id="82" name="מחבר מרפקי 81"/>
+          <p:cNvCxnSpPr>
+            <a:stCxn id="53" idx="2"/>
+          </p:cNvCxnSpPr>
+          <p:nvPr/>
+        </p:nvCxnSpPr>
+        <p:spPr>
+          <a:xfrm rot="5400000">
+            <a:off x="4356967" y="3574306"/>
+            <a:ext cx="1005832" cy="143717"/>
+          </a:xfrm>
+          <a:prstGeom prst="bentConnector3">
+            <a:avLst>
+              <a:gd name="adj1" fmla="val 50000"/>
+            </a:avLst>
+          </a:prstGeom>
+          <a:ln w="19050">
+            <a:solidFill>
+              <a:schemeClr val="tx1"/>
+            </a:solidFill>
+            <a:tailEnd type="arrow"/>
+          </a:ln>
+        </p:spPr>
+        <p:style>
+          <a:lnRef idx="1">
+            <a:schemeClr val="accent1"/>
+          </a:lnRef>
+          <a:fillRef idx="0">
+            <a:schemeClr val="accent1"/>
+          </a:fillRef>
+          <a:effectRef idx="0">
+            <a:schemeClr val="accent1"/>
+          </a:effectRef>
+          <a:fontRef idx="minor">
+            <a:schemeClr val="tx1"/>
+          </a:fontRef>
+        </p:style>
+      </p:cxnSp>
+      <p:cxnSp>
+        <p:nvCxnSpPr>
+          <p:cNvPr id="83" name="מחבר מרפקי 82"/>
+          <p:cNvCxnSpPr/>
+          <p:nvPr/>
+        </p:nvCxnSpPr>
+        <p:spPr>
+          <a:xfrm rot="5400000" flipH="1" flipV="1">
+            <a:off x="4320778" y="4040302"/>
+            <a:ext cx="216000" cy="1588"/>
+          </a:xfrm>
+          <a:prstGeom prst="bentConnector3">
+            <a:avLst>
+              <a:gd name="adj1" fmla="val 50000"/>
+            </a:avLst>
+          </a:prstGeom>
+          <a:ln w="19050">
+            <a:solidFill>
+              <a:schemeClr val="tx1"/>
+            </a:solidFill>
+            <a:headEnd type="arrow"/>
+            <a:tailEnd type="none"/>
+          </a:ln>
+        </p:spPr>
+        <p:style>
+          <a:lnRef idx="1">
+            <a:schemeClr val="accent1"/>
+          </a:lnRef>
+          <a:fillRef idx="0">
+            <a:schemeClr val="accent1"/>
+          </a:fillRef>
+          <a:effectRef idx="0">
+            <a:schemeClr val="accent1"/>
+          </a:effectRef>
+          <a:fontRef idx="minor">
+            <a:schemeClr val="tx1"/>
+          </a:fontRef>
+        </p:style>
+      </p:cxnSp>
+      <p:cxnSp>
+        <p:nvCxnSpPr>
+          <p:cNvPr id="90" name="מחבר ישר 89"/>
+          <p:cNvCxnSpPr/>
+          <p:nvPr/>
+        </p:nvCxnSpPr>
+        <p:spPr>
+          <a:xfrm>
+            <a:off x="4608000" y="4509120"/>
+            <a:ext cx="0" cy="504000"/>
+          </a:xfrm>
+          <a:prstGeom prst="line">
+            <a:avLst/>
+          </a:prstGeom>
+          <a:ln w="19050">
+            <a:solidFill>
+              <a:schemeClr val="tx1"/>
+            </a:solidFill>
+            <a:headEnd type="none"/>
+            <a:tailEnd type="arrow"/>
+          </a:ln>
+        </p:spPr>
+        <p:style>
+          <a:lnRef idx="1">
+            <a:schemeClr val="accent1"/>
+          </a:lnRef>
+          <a:fillRef idx="0">
+            <a:schemeClr val="accent1"/>
+          </a:fillRef>
+          <a:effectRef idx="0">
+            <a:schemeClr val="accent1"/>
+          </a:effectRef>
+          <a:fontRef idx="minor">
+            <a:schemeClr val="tx1"/>
+          </a:fontRef>
+        </p:style>
+      </p:cxnSp>
+      <p:grpSp>
+        <p:nvGrpSpPr>
+          <p:cNvPr id="96" name="קבוצה 95"/>
+          <p:cNvGrpSpPr/>
+          <p:nvPr/>
+        </p:nvGrpSpPr>
+        <p:grpSpPr>
+          <a:xfrm>
+            <a:off x="4355976" y="4149080"/>
+            <a:ext cx="504056" cy="360040"/>
+            <a:chOff x="4355976" y="4149080"/>
+            <a:chExt cx="504056" cy="360040"/>
+          </a:xfrm>
+        </p:grpSpPr>
+        <p:sp>
+          <p:nvSpPr>
+            <p:cNvPr id="92" name="מלבן עם פינות חתוכות באותו צד 91"/>
+            <p:cNvSpPr/>
+            <p:nvPr/>
+          </p:nvSpPr>
+          <p:spPr>
+            <a:xfrm rot="10800000">
+              <a:off x="4355976" y="4149080"/>
+              <a:ext cx="504056" cy="360040"/>
+            </a:xfrm>
+            <a:prstGeom prst="snip2SameRect">
+              <a:avLst/>
+            </a:prstGeom>
+            <a:noFill/>
+            <a:ln>
+              <a:solidFill>
+                <a:schemeClr val="tx1"/>
+              </a:solidFill>
+            </a:ln>
+          </p:spPr>
+          <p:style>
+            <a:lnRef idx="2">
+              <a:schemeClr val="accent1">
+                <a:shade val="50000"/>
+              </a:schemeClr>
+            </a:lnRef>
+            <a:fillRef idx="1">
+              <a:schemeClr val="accent1"/>
+            </a:fillRef>
+            <a:effectRef idx="0">
+              <a:schemeClr val="accent1"/>
+            </a:effectRef>
+            <a:fontRef idx="minor">
+              <a:schemeClr val="lt1"/>
+            </a:fontRef>
+          </p:style>
+          <p:txBody>
+            <a:bodyPr rtlCol="1" anchor="ctr"/>
+            <a:lstStyle/>
+            <a:p>
+              <a:pPr algn="ctr"/>
+              <a:endParaRPr lang="he-IL" dirty="0">
+                <a:noFill/>
+              </a:endParaRPr>
+            </a:p>
+          </p:txBody>
+        </p:sp>
+        <p:sp>
+          <p:nvSpPr>
+            <p:cNvPr id="93" name="TextBox 92"/>
+            <p:cNvSpPr txBox="1"/>
+            <p:nvPr/>
+          </p:nvSpPr>
+          <p:spPr>
+            <a:xfrm>
+              <a:off x="4355976" y="4175502"/>
+              <a:ext cx="504056" cy="261610"/>
+            </a:xfrm>
+            <a:prstGeom prst="rect">
+              <a:avLst/>
+            </a:prstGeom>
+            <a:noFill/>
+          </p:spPr>
+          <p:txBody>
+            <a:bodyPr wrap="square" rtlCol="1">
+              <a:spAutoFit/>
+            </a:bodyPr>
+            <a:lstStyle/>
+            <a:p>
+              <a:pPr algn="ctr"/>
+              <a:r>
+                <a:rPr lang="en-US" sz="1100" dirty="0" smtClean="0"/>
+                <a:t>AND</a:t>
+              </a:r>
+              <a:endParaRPr lang="he-IL" sz="1100" dirty="0"/>
+            </a:p>
+          </p:txBody>
+        </p:sp>
+      </p:grpSp>
     </p:spTree>
   </p:cSld>
   <p:clrMapOvr>
